--- a/Presentations/2. Introducción a C#.pptx
+++ b/Presentations/2. Introducción a C#.pptx
@@ -5350,7 +5350,56 @@
             </a:pPr>
             <a:r>
               <a:rPr lang="es-CO" dirty="0"/>
-              <a:t>Variables	</a:t>
+              <a:t>Variables y operadores</a:t>
+            </a:r>
+          </a:p>
+          <a:p>
+            <a:pPr marL="0" indent="0">
+              <a:buNone/>
+            </a:pPr>
+            <a:r>
+              <a:rPr lang="es-CO" dirty="0"/>
+              <a:t>Sentencias básicas del lenguaje (</a:t>
+            </a:r>
+            <a:r>
+              <a:rPr lang="es-CO" dirty="0" err="1"/>
+              <a:t>if</a:t>
+            </a:r>
+            <a:r>
+              <a:rPr lang="es-CO" dirty="0"/>
+              <a:t>, </a:t>
+            </a:r>
+            <a:r>
+              <a:rPr lang="es-CO" dirty="0" err="1"/>
+              <a:t>else</a:t>
+            </a:r>
+            <a:r>
+              <a:rPr lang="es-CO" dirty="0"/>
+              <a:t>, </a:t>
+            </a:r>
+            <a:r>
+              <a:rPr lang="es-CO" dirty="0" err="1"/>
+              <a:t>while</a:t>
+            </a:r>
+            <a:r>
+              <a:rPr lang="es-CO" dirty="0"/>
+              <a:t>, </a:t>
+            </a:r>
+            <a:r>
+              <a:rPr lang="es-CO" dirty="0" err="1"/>
+              <a:t>dowhile</a:t>
+            </a:r>
+            <a:r>
+              <a:rPr lang="es-CO" dirty="0"/>
+              <a:t>, </a:t>
+            </a:r>
+            <a:r>
+              <a:rPr lang="es-CO" dirty="0" err="1"/>
+              <a:t>for</a:t>
+            </a:r>
+            <a:r>
+              <a:rPr lang="es-CO" dirty="0"/>
+              <a:t>, ….)</a:t>
             </a:r>
           </a:p>
         </p:txBody>

--- a/Presentations/2. Introducción a C#.pptx
+++ b/Presentations/2. Introducción a C#.pptx
@@ -5,30 +5,31 @@
     <p:sldMasterId id="2147483744" r:id="rId1"/>
   </p:sldMasterIdLst>
   <p:notesMasterIdLst>
-    <p:notesMasterId r:id="rId23"/>
+    <p:notesMasterId r:id="rId24"/>
   </p:notesMasterIdLst>
   <p:sldIdLst>
     <p:sldId id="256" r:id="rId2"/>
     <p:sldId id="257" r:id="rId3"/>
-    <p:sldId id="258" r:id="rId4"/>
-    <p:sldId id="260" r:id="rId5"/>
-    <p:sldId id="259" r:id="rId6"/>
-    <p:sldId id="262" r:id="rId7"/>
-    <p:sldId id="264" r:id="rId8"/>
-    <p:sldId id="265" r:id="rId9"/>
-    <p:sldId id="261" r:id="rId10"/>
-    <p:sldId id="263" r:id="rId11"/>
-    <p:sldId id="266" r:id="rId12"/>
-    <p:sldId id="267" r:id="rId13"/>
-    <p:sldId id="268" r:id="rId14"/>
-    <p:sldId id="270" r:id="rId15"/>
-    <p:sldId id="269" r:id="rId16"/>
-    <p:sldId id="271" r:id="rId17"/>
-    <p:sldId id="274" r:id="rId18"/>
-    <p:sldId id="272" r:id="rId19"/>
-    <p:sldId id="275" r:id="rId20"/>
-    <p:sldId id="273" r:id="rId21"/>
-    <p:sldId id="276" r:id="rId22"/>
+    <p:sldId id="277" r:id="rId4"/>
+    <p:sldId id="258" r:id="rId5"/>
+    <p:sldId id="260" r:id="rId6"/>
+    <p:sldId id="259" r:id="rId7"/>
+    <p:sldId id="262" r:id="rId8"/>
+    <p:sldId id="264" r:id="rId9"/>
+    <p:sldId id="265" r:id="rId10"/>
+    <p:sldId id="261" r:id="rId11"/>
+    <p:sldId id="263" r:id="rId12"/>
+    <p:sldId id="266" r:id="rId13"/>
+    <p:sldId id="267" r:id="rId14"/>
+    <p:sldId id="268" r:id="rId15"/>
+    <p:sldId id="270" r:id="rId16"/>
+    <p:sldId id="269" r:id="rId17"/>
+    <p:sldId id="271" r:id="rId18"/>
+    <p:sldId id="274" r:id="rId19"/>
+    <p:sldId id="272" r:id="rId20"/>
+    <p:sldId id="275" r:id="rId21"/>
+    <p:sldId id="273" r:id="rId22"/>
+    <p:sldId id="276" r:id="rId23"/>
   </p:sldIdLst>
   <p:sldSz cx="12192000" cy="6858000"/>
   <p:notesSz cx="6858000" cy="9144000"/>
@@ -217,7 +218,7 @@
           <a:p>
             <a:fld id="{E4B0D690-8AFA-4190-91CA-93D164836BC5}" type="datetimeFigureOut">
               <a:rPr lang="es-CO" smtClean="0"/>
-              <a:t>12/06/2018</a:t>
+              <a:t>16/06/2018</a:t>
             </a:fld>
             <a:endParaRPr lang="es-CO"/>
           </a:p>
@@ -685,7 +686,7 @@
           <a:p>
             <a:fld id="{4D459765-66A3-4114-9514-A57B5A254277}" type="datetimeFigureOut">
               <a:rPr lang="es-ES" smtClean="0"/>
-              <a:t>12/06/2018</a:t>
+              <a:t>16/06/2018</a:t>
             </a:fld>
             <a:endParaRPr lang="es-ES"/>
           </a:p>
@@ -1060,7 +1061,7 @@
           <a:p>
             <a:fld id="{4D459765-66A3-4114-9514-A57B5A254277}" type="datetimeFigureOut">
               <a:rPr lang="es-ES" smtClean="0"/>
-              <a:t>12/06/2018</a:t>
+              <a:t>16/06/2018</a:t>
             </a:fld>
             <a:endParaRPr lang="es-ES"/>
           </a:p>
@@ -1240,7 +1241,7 @@
           <a:p>
             <a:fld id="{4D459765-66A3-4114-9514-A57B5A254277}" type="datetimeFigureOut">
               <a:rPr lang="es-ES" smtClean="0"/>
-              <a:t>12/06/2018</a:t>
+              <a:t>16/06/2018</a:t>
             </a:fld>
             <a:endParaRPr lang="es-ES"/>
           </a:p>
@@ -1410,7 +1411,7 @@
           <a:p>
             <a:fld id="{4D459765-66A3-4114-9514-A57B5A254277}" type="datetimeFigureOut">
               <a:rPr lang="es-ES" smtClean="0"/>
-              <a:t>12/06/2018</a:t>
+              <a:t>16/06/2018</a:t>
             </a:fld>
             <a:endParaRPr lang="es-ES"/>
           </a:p>
@@ -1666,7 +1667,7 @@
           <a:p>
             <a:fld id="{4D459765-66A3-4114-9514-A57B5A254277}" type="datetimeFigureOut">
               <a:rPr lang="es-ES" smtClean="0"/>
-              <a:t>12/06/2018</a:t>
+              <a:t>16/06/2018</a:t>
             </a:fld>
             <a:endParaRPr lang="es-ES"/>
           </a:p>
@@ -1954,7 +1955,7 @@
           <a:p>
             <a:fld id="{4D459765-66A3-4114-9514-A57B5A254277}" type="datetimeFigureOut">
               <a:rPr lang="es-ES" smtClean="0"/>
-              <a:t>12/06/2018</a:t>
+              <a:t>16/06/2018</a:t>
             </a:fld>
             <a:endParaRPr lang="es-ES"/>
           </a:p>
@@ -2392,7 +2393,7 @@
           <a:p>
             <a:fld id="{4D459765-66A3-4114-9514-A57B5A254277}" type="datetimeFigureOut">
               <a:rPr lang="es-ES" smtClean="0"/>
-              <a:t>12/06/2018</a:t>
+              <a:t>16/06/2018</a:t>
             </a:fld>
             <a:endParaRPr lang="es-ES"/>
           </a:p>
@@ -2510,7 +2511,7 @@
           <a:p>
             <a:fld id="{4D459765-66A3-4114-9514-A57B5A254277}" type="datetimeFigureOut">
               <a:rPr lang="es-ES" smtClean="0"/>
-              <a:t>12/06/2018</a:t>
+              <a:t>16/06/2018</a:t>
             </a:fld>
             <a:endParaRPr lang="es-ES"/>
           </a:p>
@@ -2605,7 +2606,7 @@
           <a:p>
             <a:fld id="{4D459765-66A3-4114-9514-A57B5A254277}" type="datetimeFigureOut">
               <a:rPr lang="es-ES" smtClean="0"/>
-              <a:t>12/06/2018</a:t>
+              <a:t>16/06/2018</a:t>
             </a:fld>
             <a:endParaRPr lang="es-ES"/>
           </a:p>
@@ -2961,7 +2962,7 @@
           <a:p>
             <a:fld id="{4D459765-66A3-4114-9514-A57B5A254277}" type="datetimeFigureOut">
               <a:rPr lang="es-ES" smtClean="0"/>
-              <a:t>12/06/2018</a:t>
+              <a:t>16/06/2018</a:t>
             </a:fld>
             <a:endParaRPr lang="es-ES"/>
           </a:p>
@@ -3277,7 +3278,7 @@
           <a:p>
             <a:fld id="{4D459765-66A3-4114-9514-A57B5A254277}" type="datetimeFigureOut">
               <a:rPr lang="es-ES" smtClean="0"/>
-              <a:t>12/06/2018</a:t>
+              <a:t>16/06/2018</a:t>
             </a:fld>
             <a:endParaRPr lang="es-ES"/>
           </a:p>
@@ -3510,7 +3511,7 @@
           <a:p>
             <a:fld id="{4D459765-66A3-4114-9514-A57B5A254277}" type="datetimeFigureOut">
               <a:rPr lang="es-ES" smtClean="0"/>
-              <a:t>12/06/2018</a:t>
+              <a:t>16/06/2018</a:t>
             </a:fld>
             <a:endParaRPr lang="es-ES"/>
           </a:p>
@@ -4216,7 +4217,7 @@
           <p:cNvPr id="2" name="Título 1">
             <a:extLst>
               <a:ext uri="{FF2B5EF4-FFF2-40B4-BE49-F238E27FC236}">
-                <a16:creationId xmlns:a16="http://schemas.microsoft.com/office/drawing/2014/main" id="{F2E34E23-4840-4B16-926D-6CAF86BD07C1}"/>
+                <a16:creationId xmlns:a16="http://schemas.microsoft.com/office/drawing/2014/main" id="{CEF54A67-F15D-4AB2-B6B5-9428E408438B}"/>
               </a:ext>
             </a:extLst>
           </p:cNvPr>
@@ -4233,9 +4234,18 @@
           <a:lstStyle/>
           <a:p>
             <a:r>
+              <a:rPr lang="es-CO" dirty="0" err="1"/>
+              <a:t>Boxing</a:t>
+            </a:r>
+            <a:r>
               <a:rPr lang="es-CO" dirty="0"/>
-              <a:t>Conversiones</a:t>
-            </a:r>
+              <a:t> - </a:t>
+            </a:r>
+            <a:r>
+              <a:rPr lang="es-CO" dirty="0" err="1"/>
+              <a:t>Unboxing</a:t>
+            </a:r>
+            <a:endParaRPr lang="es-CO" dirty="0"/>
           </a:p>
         </p:txBody>
       </p:sp>
@@ -4244,7 +4254,7 @@
           <p:cNvPr id="3" name="Marcador de contenido 2">
             <a:extLst>
               <a:ext uri="{FF2B5EF4-FFF2-40B4-BE49-F238E27FC236}">
-                <a16:creationId xmlns:a16="http://schemas.microsoft.com/office/drawing/2014/main" id="{BE82B795-D52C-45AD-B0CF-5FE669AF68C7}"/>
+                <a16:creationId xmlns:a16="http://schemas.microsoft.com/office/drawing/2014/main" id="{BE1D70C6-71C2-417D-ABB6-F91C7AA09104}"/>
               </a:ext>
             </a:extLst>
           </p:cNvPr>
@@ -4260,15 +4270,31 @@
           <a:bodyPr/>
           <a:lstStyle/>
           <a:p>
+            <a:pPr>
+              <a:buFont typeface="Wingdings" panose="05000000000000000000" pitchFamily="2" charset="2"/>
+              <a:buChar char="q"/>
+            </a:pPr>
+            <a:r>
+              <a:rPr lang="es-CO" dirty="0" err="1"/>
+              <a:t>Boxing</a:t>
+            </a:r>
             <a:r>
               <a:rPr lang="es-CO" dirty="0"/>
-              <a:t>Uso de la Clase Convert</a:t>
-            </a:r>
-          </a:p>
-          <a:p>
+              <a:t> - Convertir de tipos de datos por valor a tipos de datos por referencia</a:t>
+            </a:r>
+          </a:p>
+          <a:p>
+            <a:pPr>
+              <a:buFont typeface="Wingdings" panose="05000000000000000000" pitchFamily="2" charset="2"/>
+              <a:buChar char="q"/>
+            </a:pPr>
+            <a:r>
+              <a:rPr lang="es-CO" dirty="0" err="1"/>
+              <a:t>Unboxing</a:t>
+            </a:r>
             <a:r>
               <a:rPr lang="es-CO" dirty="0"/>
-              <a:t>Conversiones Implícitas</a:t>
+              <a:t> – Convertir de tipos de datos por referencia a tipos de datos por valor</a:t>
             </a:r>
           </a:p>
         </p:txBody>
@@ -4276,7 +4302,7 @@
     </p:spTree>
     <p:extLst>
       <p:ext uri="{BB962C8B-B14F-4D97-AF65-F5344CB8AC3E}">
-        <p14:creationId xmlns:p14="http://schemas.microsoft.com/office/powerpoint/2010/main" val="2727647584"/>
+        <p14:creationId xmlns:p14="http://schemas.microsoft.com/office/powerpoint/2010/main" val="2075627625"/>
       </p:ext>
     </p:extLst>
   </p:cSld>
@@ -4305,10 +4331,10 @@
       </p:grpSpPr>
       <p:sp>
         <p:nvSpPr>
-          <p:cNvPr id="4" name="Título 3">
+          <p:cNvPr id="2" name="Título 1">
             <a:extLst>
               <a:ext uri="{FF2B5EF4-FFF2-40B4-BE49-F238E27FC236}">
-                <a16:creationId xmlns:a16="http://schemas.microsoft.com/office/drawing/2014/main" id="{A2BAB271-7D12-4049-A3D3-0EB4A736D713}"/>
+                <a16:creationId xmlns:a16="http://schemas.microsoft.com/office/drawing/2014/main" id="{F2E34E23-4840-4B16-926D-6CAF86BD07C1}"/>
               </a:ext>
             </a:extLst>
           </p:cNvPr>
@@ -4326,71 +4352,49 @@
           <a:p>
             <a:r>
               <a:rPr lang="es-CO" dirty="0"/>
-              <a:t>Demo Conversiones</a:t>
-            </a:r>
-          </a:p>
-        </p:txBody>
-      </p:sp>
-      <p:pic>
-        <p:nvPicPr>
-          <p:cNvPr id="8" name="Marcador de posición de imagen 7">
+              <a:t>Conversiones</a:t>
+            </a:r>
+          </a:p>
+        </p:txBody>
+      </p:sp>
+      <p:sp>
+        <p:nvSpPr>
+          <p:cNvPr id="3" name="Marcador de contenido 2">
             <a:extLst>
               <a:ext uri="{FF2B5EF4-FFF2-40B4-BE49-F238E27FC236}">
-                <a16:creationId xmlns:a16="http://schemas.microsoft.com/office/drawing/2014/main" id="{DD4C2EC9-6842-489E-BDEC-E3F5324C0E96}"/>
+                <a16:creationId xmlns:a16="http://schemas.microsoft.com/office/drawing/2014/main" id="{BE82B795-D52C-45AD-B0CF-5FE669AF68C7}"/>
               </a:ext>
             </a:extLst>
           </p:cNvPr>
-          <p:cNvPicPr>
-            <a:picLocks noGrp="1" noChangeAspect="1"/>
-          </p:cNvPicPr>
-          <p:nvPr>
-            <p:ph type="pic" idx="1"/>
-          </p:nvPr>
-        </p:nvPicPr>
-        <p:blipFill>
-          <a:blip r:embed="rId2">
-            <a:extLst>
-              <a:ext uri="{28A0092B-C50C-407E-A947-70E740481C1C}">
-                <a14:useLocalDpi xmlns:a14="http://schemas.microsoft.com/office/drawing/2010/main" val="0"/>
-              </a:ext>
-            </a:extLst>
-          </a:blip>
-          <a:srcRect t="17207" b="17207"/>
-          <a:stretch>
-            <a:fillRect/>
-          </a:stretch>
-        </p:blipFill>
-        <p:spPr/>
-      </p:pic>
-      <p:sp>
-        <p:nvSpPr>
-          <p:cNvPr id="6" name="Marcador de texto 5">
-            <a:extLst>
-              <a:ext uri="{FF2B5EF4-FFF2-40B4-BE49-F238E27FC236}">
-                <a16:creationId xmlns:a16="http://schemas.microsoft.com/office/drawing/2014/main" id="{DB7F3EC9-0374-4D59-A9DB-0B53D3E3B449}"/>
-              </a:ext>
-            </a:extLst>
-          </p:cNvPr>
-          <p:cNvSpPr>
-            <a:spLocks noGrp="1"/>
-          </p:cNvSpPr>
-          <p:nvPr>
-            <p:ph type="body" sz="half" idx="2"/>
-          </p:nvPr>
-        </p:nvSpPr>
-        <p:spPr/>
-        <p:txBody>
-          <a:bodyPr/>
-          <a:lstStyle/>
-          <a:p>
-            <a:endParaRPr lang="es-CO"/>
+          <p:cNvSpPr>
+            <a:spLocks noGrp="1"/>
+          </p:cNvSpPr>
+          <p:nvPr>
+            <p:ph idx="1"/>
+          </p:nvPr>
+        </p:nvSpPr>
+        <p:spPr/>
+        <p:txBody>
+          <a:bodyPr/>
+          <a:lstStyle/>
+          <a:p>
+            <a:r>
+              <a:rPr lang="es-CO" dirty="0"/>
+              <a:t>Uso de la Clase Convert</a:t>
+            </a:r>
+          </a:p>
+          <a:p>
+            <a:r>
+              <a:rPr lang="es-CO" dirty="0"/>
+              <a:t>Conversiones Implícitas</a:t>
+            </a:r>
           </a:p>
         </p:txBody>
       </p:sp>
     </p:spTree>
     <p:extLst>
       <p:ext uri="{BB962C8B-B14F-4D97-AF65-F5344CB8AC3E}">
-        <p14:creationId xmlns:p14="http://schemas.microsoft.com/office/powerpoint/2010/main" val="2170761518"/>
+        <p14:creationId xmlns:p14="http://schemas.microsoft.com/office/powerpoint/2010/main" val="2727647584"/>
       </p:ext>
     </p:extLst>
   </p:cSld>
@@ -4419,10 +4423,10 @@
       </p:grpSpPr>
       <p:sp>
         <p:nvSpPr>
-          <p:cNvPr id="5" name="Título 4">
+          <p:cNvPr id="4" name="Título 3">
             <a:extLst>
               <a:ext uri="{FF2B5EF4-FFF2-40B4-BE49-F238E27FC236}">
-                <a16:creationId xmlns:a16="http://schemas.microsoft.com/office/drawing/2014/main" id="{E50B5277-2056-41CF-9D31-E2E0A7CA6586}"/>
+                <a16:creationId xmlns:a16="http://schemas.microsoft.com/office/drawing/2014/main" id="{A2BAB271-7D12-4049-A3D3-0EB4A736D713}"/>
               </a:ext>
             </a:extLst>
           </p:cNvPr>
@@ -4440,78 +4444,71 @@
           <a:p>
             <a:r>
               <a:rPr lang="es-CO" dirty="0"/>
-              <a:t>Cadenas</a:t>
-            </a:r>
-          </a:p>
-        </p:txBody>
-      </p:sp>
-      <p:sp>
-        <p:nvSpPr>
-          <p:cNvPr id="6" name="Marcador de contenido 5">
+              <a:t>Demo Conversiones</a:t>
+            </a:r>
+          </a:p>
+        </p:txBody>
+      </p:sp>
+      <p:pic>
+        <p:nvPicPr>
+          <p:cNvPr id="8" name="Marcador de posición de imagen 7">
             <a:extLst>
               <a:ext uri="{FF2B5EF4-FFF2-40B4-BE49-F238E27FC236}">
-                <a16:creationId xmlns:a16="http://schemas.microsoft.com/office/drawing/2014/main" id="{E4C59089-9D06-4B55-816E-13579097DD5C}"/>
+                <a16:creationId xmlns:a16="http://schemas.microsoft.com/office/drawing/2014/main" id="{DD4C2EC9-6842-489E-BDEC-E3F5324C0E96}"/>
               </a:ext>
             </a:extLst>
           </p:cNvPr>
-          <p:cNvSpPr>
-            <a:spLocks noGrp="1"/>
-          </p:cNvSpPr>
-          <p:nvPr>
-            <p:ph idx="1"/>
-          </p:nvPr>
-        </p:nvSpPr>
-        <p:spPr/>
-        <p:txBody>
-          <a:bodyPr/>
-          <a:lstStyle/>
-          <a:p>
-            <a:r>
-              <a:rPr lang="es-CO" dirty="0"/>
-              <a:t>Manipulación básica de cadenas.</a:t>
-            </a:r>
-          </a:p>
-          <a:p>
-            <a:r>
-              <a:rPr lang="es-CO" dirty="0"/>
-              <a:t>Concatenación de cadenas</a:t>
-            </a:r>
-          </a:p>
-          <a:p>
-            <a:r>
-              <a:rPr lang="es-CO" dirty="0"/>
-              <a:t>Caracteres de Escape</a:t>
-            </a:r>
-          </a:p>
-          <a:p>
-            <a:r>
-              <a:rPr lang="es-CO" dirty="0"/>
-              <a:t>Cadenas “</a:t>
-            </a:r>
-            <a:r>
-              <a:rPr lang="es-CO" dirty="0" err="1"/>
-              <a:t>verbatim</a:t>
-            </a:r>
-            <a:r>
-              <a:rPr lang="es-CO" dirty="0"/>
-              <a:t>”</a:t>
-            </a:r>
-          </a:p>
-          <a:p>
-            <a:r>
-              <a:rPr lang="es-CO" dirty="0"/>
-              <a:t>Interpolación de cadenas</a:t>
-            </a:r>
-          </a:p>
-          <a:p>
-            <a:endParaRPr lang="es-CO" dirty="0"/>
+          <p:cNvPicPr>
+            <a:picLocks noGrp="1" noChangeAspect="1"/>
+          </p:cNvPicPr>
+          <p:nvPr>
+            <p:ph type="pic" idx="1"/>
+          </p:nvPr>
+        </p:nvPicPr>
+        <p:blipFill>
+          <a:blip r:embed="rId2">
+            <a:extLst>
+              <a:ext uri="{28A0092B-C50C-407E-A947-70E740481C1C}">
+                <a14:useLocalDpi xmlns:a14="http://schemas.microsoft.com/office/drawing/2010/main" val="0"/>
+              </a:ext>
+            </a:extLst>
+          </a:blip>
+          <a:srcRect t="17207" b="17207"/>
+          <a:stretch>
+            <a:fillRect/>
+          </a:stretch>
+        </p:blipFill>
+        <p:spPr/>
+      </p:pic>
+      <p:sp>
+        <p:nvSpPr>
+          <p:cNvPr id="6" name="Marcador de texto 5">
+            <a:extLst>
+              <a:ext uri="{FF2B5EF4-FFF2-40B4-BE49-F238E27FC236}">
+                <a16:creationId xmlns:a16="http://schemas.microsoft.com/office/drawing/2014/main" id="{DB7F3EC9-0374-4D59-A9DB-0B53D3E3B449}"/>
+              </a:ext>
+            </a:extLst>
+          </p:cNvPr>
+          <p:cNvSpPr>
+            <a:spLocks noGrp="1"/>
+          </p:cNvSpPr>
+          <p:nvPr>
+            <p:ph type="body" sz="half" idx="2"/>
+          </p:nvPr>
+        </p:nvSpPr>
+        <p:spPr/>
+        <p:txBody>
+          <a:bodyPr/>
+          <a:lstStyle/>
+          <a:p>
+            <a:endParaRPr lang="es-CO"/>
           </a:p>
         </p:txBody>
       </p:sp>
     </p:spTree>
     <p:extLst>
       <p:ext uri="{BB962C8B-B14F-4D97-AF65-F5344CB8AC3E}">
-        <p14:creationId xmlns:p14="http://schemas.microsoft.com/office/powerpoint/2010/main" val="426997545"/>
+        <p14:creationId xmlns:p14="http://schemas.microsoft.com/office/powerpoint/2010/main" val="2170761518"/>
       </p:ext>
     </p:extLst>
   </p:cSld>
@@ -4540,10 +4537,10 @@
       </p:grpSpPr>
       <p:sp>
         <p:nvSpPr>
-          <p:cNvPr id="4" name="Título 3">
+          <p:cNvPr id="5" name="Título 4">
             <a:extLst>
               <a:ext uri="{FF2B5EF4-FFF2-40B4-BE49-F238E27FC236}">
-                <a16:creationId xmlns:a16="http://schemas.microsoft.com/office/drawing/2014/main" id="{A2BAB271-7D12-4049-A3D3-0EB4A736D713}"/>
+                <a16:creationId xmlns:a16="http://schemas.microsoft.com/office/drawing/2014/main" id="{E50B5277-2056-41CF-9D31-E2E0A7CA6586}"/>
               </a:ext>
             </a:extLst>
           </p:cNvPr>
@@ -4561,71 +4558,78 @@
           <a:p>
             <a:r>
               <a:rPr lang="es-CO" dirty="0"/>
-              <a:t>Demo Cadenas</a:t>
-            </a:r>
-          </a:p>
-        </p:txBody>
-      </p:sp>
-      <p:pic>
-        <p:nvPicPr>
-          <p:cNvPr id="8" name="Marcador de posición de imagen 7">
+              <a:t>Cadenas</a:t>
+            </a:r>
+          </a:p>
+        </p:txBody>
+      </p:sp>
+      <p:sp>
+        <p:nvSpPr>
+          <p:cNvPr id="6" name="Marcador de contenido 5">
             <a:extLst>
               <a:ext uri="{FF2B5EF4-FFF2-40B4-BE49-F238E27FC236}">
-                <a16:creationId xmlns:a16="http://schemas.microsoft.com/office/drawing/2014/main" id="{DD4C2EC9-6842-489E-BDEC-E3F5324C0E96}"/>
+                <a16:creationId xmlns:a16="http://schemas.microsoft.com/office/drawing/2014/main" id="{E4C59089-9D06-4B55-816E-13579097DD5C}"/>
               </a:ext>
             </a:extLst>
           </p:cNvPr>
-          <p:cNvPicPr>
-            <a:picLocks noGrp="1" noChangeAspect="1"/>
-          </p:cNvPicPr>
-          <p:nvPr>
-            <p:ph type="pic" idx="1"/>
-          </p:nvPr>
-        </p:nvPicPr>
-        <p:blipFill>
-          <a:blip r:embed="rId2">
-            <a:extLst>
-              <a:ext uri="{28A0092B-C50C-407E-A947-70E740481C1C}">
-                <a14:useLocalDpi xmlns:a14="http://schemas.microsoft.com/office/drawing/2010/main" val="0"/>
-              </a:ext>
-            </a:extLst>
-          </a:blip>
-          <a:srcRect t="17207" b="17207"/>
-          <a:stretch>
-            <a:fillRect/>
-          </a:stretch>
-        </p:blipFill>
-        <p:spPr/>
-      </p:pic>
-      <p:sp>
-        <p:nvSpPr>
-          <p:cNvPr id="6" name="Marcador de texto 5">
-            <a:extLst>
-              <a:ext uri="{FF2B5EF4-FFF2-40B4-BE49-F238E27FC236}">
-                <a16:creationId xmlns:a16="http://schemas.microsoft.com/office/drawing/2014/main" id="{DB7F3EC9-0374-4D59-A9DB-0B53D3E3B449}"/>
-              </a:ext>
-            </a:extLst>
-          </p:cNvPr>
-          <p:cNvSpPr>
-            <a:spLocks noGrp="1"/>
-          </p:cNvSpPr>
-          <p:nvPr>
-            <p:ph type="body" sz="half" idx="2"/>
-          </p:nvPr>
-        </p:nvSpPr>
-        <p:spPr/>
-        <p:txBody>
-          <a:bodyPr/>
-          <a:lstStyle/>
-          <a:p>
-            <a:endParaRPr lang="es-CO"/>
+          <p:cNvSpPr>
+            <a:spLocks noGrp="1"/>
+          </p:cNvSpPr>
+          <p:nvPr>
+            <p:ph idx="1"/>
+          </p:nvPr>
+        </p:nvSpPr>
+        <p:spPr/>
+        <p:txBody>
+          <a:bodyPr/>
+          <a:lstStyle/>
+          <a:p>
+            <a:r>
+              <a:rPr lang="es-CO" dirty="0"/>
+              <a:t>Manipulación básica de cadenas.</a:t>
+            </a:r>
+          </a:p>
+          <a:p>
+            <a:r>
+              <a:rPr lang="es-CO" dirty="0"/>
+              <a:t>Concatenación de cadenas</a:t>
+            </a:r>
+          </a:p>
+          <a:p>
+            <a:r>
+              <a:rPr lang="es-CO" dirty="0"/>
+              <a:t>Caracteres de Escape</a:t>
+            </a:r>
+          </a:p>
+          <a:p>
+            <a:r>
+              <a:rPr lang="es-CO" dirty="0"/>
+              <a:t>Cadenas “</a:t>
+            </a:r>
+            <a:r>
+              <a:rPr lang="es-CO" dirty="0" err="1"/>
+              <a:t>verbatim</a:t>
+            </a:r>
+            <a:r>
+              <a:rPr lang="es-CO" dirty="0"/>
+              <a:t>”</a:t>
+            </a:r>
+          </a:p>
+          <a:p>
+            <a:r>
+              <a:rPr lang="es-CO" dirty="0"/>
+              <a:t>Interpolación de cadenas</a:t>
+            </a:r>
+          </a:p>
+          <a:p>
+            <a:endParaRPr lang="es-CO" dirty="0"/>
           </a:p>
         </p:txBody>
       </p:sp>
     </p:spTree>
     <p:extLst>
       <p:ext uri="{BB962C8B-B14F-4D97-AF65-F5344CB8AC3E}">
-        <p14:creationId xmlns:p14="http://schemas.microsoft.com/office/powerpoint/2010/main" val="3355767158"/>
+        <p14:creationId xmlns:p14="http://schemas.microsoft.com/office/powerpoint/2010/main" val="426997545"/>
       </p:ext>
     </p:extLst>
   </p:cSld>
@@ -4654,10 +4658,10 @@
       </p:grpSpPr>
       <p:sp>
         <p:nvSpPr>
-          <p:cNvPr id="5" name="Título 4">
+          <p:cNvPr id="4" name="Título 3">
             <a:extLst>
               <a:ext uri="{FF2B5EF4-FFF2-40B4-BE49-F238E27FC236}">
-                <a16:creationId xmlns:a16="http://schemas.microsoft.com/office/drawing/2014/main" id="{ED3B80CB-C73A-4E77-9B0E-81B272074EE5}"/>
+                <a16:creationId xmlns:a16="http://schemas.microsoft.com/office/drawing/2014/main" id="{A2BAB271-7D12-4049-A3D3-0EB4A736D713}"/>
               </a:ext>
             </a:extLst>
           </p:cNvPr>
@@ -4675,49 +4679,71 @@
           <a:p>
             <a:r>
               <a:rPr lang="es-CO" dirty="0"/>
-              <a:t>Expresiones</a:t>
-            </a:r>
-          </a:p>
-        </p:txBody>
-      </p:sp>
-      <p:sp>
-        <p:nvSpPr>
-          <p:cNvPr id="6" name="Marcador de contenido 5">
+              <a:t>Demo Cadenas</a:t>
+            </a:r>
+          </a:p>
+        </p:txBody>
+      </p:sp>
+      <p:pic>
+        <p:nvPicPr>
+          <p:cNvPr id="8" name="Marcador de posición de imagen 7">
             <a:extLst>
               <a:ext uri="{FF2B5EF4-FFF2-40B4-BE49-F238E27FC236}">
-                <a16:creationId xmlns:a16="http://schemas.microsoft.com/office/drawing/2014/main" id="{69B788CF-8CB2-411F-9CA4-6C04C60FA0DD}"/>
+                <a16:creationId xmlns:a16="http://schemas.microsoft.com/office/drawing/2014/main" id="{DD4C2EC9-6842-489E-BDEC-E3F5324C0E96}"/>
               </a:ext>
             </a:extLst>
           </p:cNvPr>
-          <p:cNvSpPr>
-            <a:spLocks noGrp="1"/>
-          </p:cNvSpPr>
-          <p:nvPr>
-            <p:ph idx="1"/>
-          </p:nvPr>
-        </p:nvSpPr>
-        <p:spPr/>
-        <p:txBody>
-          <a:bodyPr/>
-          <a:lstStyle/>
-          <a:p>
-            <a:r>
-              <a:rPr lang="es-CO" dirty="0"/>
-              <a:t>Matemáticas</a:t>
-            </a:r>
-          </a:p>
-          <a:p>
-            <a:r>
-              <a:rPr lang="es-CO" dirty="0"/>
-              <a:t>Booleanas</a:t>
-            </a:r>
+          <p:cNvPicPr>
+            <a:picLocks noGrp="1" noChangeAspect="1"/>
+          </p:cNvPicPr>
+          <p:nvPr>
+            <p:ph type="pic" idx="1"/>
+          </p:nvPr>
+        </p:nvPicPr>
+        <p:blipFill>
+          <a:blip r:embed="rId2">
+            <a:extLst>
+              <a:ext uri="{28A0092B-C50C-407E-A947-70E740481C1C}">
+                <a14:useLocalDpi xmlns:a14="http://schemas.microsoft.com/office/drawing/2010/main" val="0"/>
+              </a:ext>
+            </a:extLst>
+          </a:blip>
+          <a:srcRect t="17207" b="17207"/>
+          <a:stretch>
+            <a:fillRect/>
+          </a:stretch>
+        </p:blipFill>
+        <p:spPr/>
+      </p:pic>
+      <p:sp>
+        <p:nvSpPr>
+          <p:cNvPr id="6" name="Marcador de texto 5">
+            <a:extLst>
+              <a:ext uri="{FF2B5EF4-FFF2-40B4-BE49-F238E27FC236}">
+                <a16:creationId xmlns:a16="http://schemas.microsoft.com/office/drawing/2014/main" id="{DB7F3EC9-0374-4D59-A9DB-0B53D3E3B449}"/>
+              </a:ext>
+            </a:extLst>
+          </p:cNvPr>
+          <p:cNvSpPr>
+            <a:spLocks noGrp="1"/>
+          </p:cNvSpPr>
+          <p:nvPr>
+            <p:ph type="body" sz="half" idx="2"/>
+          </p:nvPr>
+        </p:nvSpPr>
+        <p:spPr/>
+        <p:txBody>
+          <a:bodyPr/>
+          <a:lstStyle/>
+          <a:p>
+            <a:endParaRPr lang="es-CO"/>
           </a:p>
         </p:txBody>
       </p:sp>
     </p:spTree>
     <p:extLst>
       <p:ext uri="{BB962C8B-B14F-4D97-AF65-F5344CB8AC3E}">
-        <p14:creationId xmlns:p14="http://schemas.microsoft.com/office/powerpoint/2010/main" val="2121799244"/>
+        <p14:creationId xmlns:p14="http://schemas.microsoft.com/office/powerpoint/2010/main" val="3355767158"/>
       </p:ext>
     </p:extLst>
   </p:cSld>
@@ -4749,7 +4775,7 @@
           <p:cNvPr id="5" name="Título 4">
             <a:extLst>
               <a:ext uri="{FF2B5EF4-FFF2-40B4-BE49-F238E27FC236}">
-                <a16:creationId xmlns:a16="http://schemas.microsoft.com/office/drawing/2014/main" id="{CECAEAA5-79AE-400A-9DF5-C450B95901D6}"/>
+                <a16:creationId xmlns:a16="http://schemas.microsoft.com/office/drawing/2014/main" id="{ED3B80CB-C73A-4E77-9B0E-81B272074EE5}"/>
               </a:ext>
             </a:extLst>
           </p:cNvPr>
@@ -4757,7 +4783,7 @@
             <a:spLocks noGrp="1"/>
           </p:cNvSpPr>
           <p:nvPr>
-            <p:ph type="ctrTitle"/>
+            <p:ph type="title"/>
           </p:nvPr>
         </p:nvSpPr>
         <p:spPr/>
@@ -4767,17 +4793,17 @@
           <a:p>
             <a:r>
               <a:rPr lang="es-CO" dirty="0"/>
-              <a:t>Sentencias</a:t>
-            </a:r>
-          </a:p>
-        </p:txBody>
-      </p:sp>
-      <p:sp>
-        <p:nvSpPr>
-          <p:cNvPr id="6" name="Subtítulo 5">
+              <a:t>Expresiones</a:t>
+            </a:r>
+          </a:p>
+        </p:txBody>
+      </p:sp>
+      <p:sp>
+        <p:nvSpPr>
+          <p:cNvPr id="6" name="Marcador de contenido 5">
             <a:extLst>
               <a:ext uri="{FF2B5EF4-FFF2-40B4-BE49-F238E27FC236}">
-                <a16:creationId xmlns:a16="http://schemas.microsoft.com/office/drawing/2014/main" id="{1B9468DD-45D3-457C-AC99-9FBE734F8A94}"/>
+                <a16:creationId xmlns:a16="http://schemas.microsoft.com/office/drawing/2014/main" id="{69B788CF-8CB2-411F-9CA4-6C04C60FA0DD}"/>
               </a:ext>
             </a:extLst>
           </p:cNvPr>
@@ -4785,22 +4811,31 @@
             <a:spLocks noGrp="1"/>
           </p:cNvSpPr>
           <p:nvPr>
-            <p:ph type="subTitle" idx="1"/>
-          </p:nvPr>
-        </p:nvSpPr>
-        <p:spPr/>
-        <p:txBody>
-          <a:bodyPr/>
-          <a:lstStyle/>
-          <a:p>
-            <a:endParaRPr lang="es-CO"/>
+            <p:ph idx="1"/>
+          </p:nvPr>
+        </p:nvSpPr>
+        <p:spPr/>
+        <p:txBody>
+          <a:bodyPr/>
+          <a:lstStyle/>
+          <a:p>
+            <a:r>
+              <a:rPr lang="es-CO" dirty="0"/>
+              <a:t>Matemáticas</a:t>
+            </a:r>
+          </a:p>
+          <a:p>
+            <a:r>
+              <a:rPr lang="es-CO" dirty="0"/>
+              <a:t>Booleanas</a:t>
+            </a:r>
           </a:p>
         </p:txBody>
       </p:sp>
     </p:spTree>
     <p:extLst>
       <p:ext uri="{BB962C8B-B14F-4D97-AF65-F5344CB8AC3E}">
-        <p14:creationId xmlns:p14="http://schemas.microsoft.com/office/powerpoint/2010/main" val="2096693360"/>
+        <p14:creationId xmlns:p14="http://schemas.microsoft.com/office/powerpoint/2010/main" val="2121799244"/>
       </p:ext>
     </p:extLst>
   </p:cSld>
@@ -4829,10 +4864,10 @@
       </p:grpSpPr>
       <p:sp>
         <p:nvSpPr>
-          <p:cNvPr id="2" name="Título 1">
+          <p:cNvPr id="5" name="Título 4">
             <a:extLst>
               <a:ext uri="{FF2B5EF4-FFF2-40B4-BE49-F238E27FC236}">
-                <a16:creationId xmlns:a16="http://schemas.microsoft.com/office/drawing/2014/main" id="{D2466762-77BD-4DBD-A009-8D94B1A2A531}"/>
+                <a16:creationId xmlns:a16="http://schemas.microsoft.com/office/drawing/2014/main" id="{CECAEAA5-79AE-400A-9DF5-C450B95901D6}"/>
               </a:ext>
             </a:extLst>
           </p:cNvPr>
@@ -4840,7 +4875,7 @@
             <a:spLocks noGrp="1"/>
           </p:cNvSpPr>
           <p:nvPr>
-            <p:ph type="title"/>
+            <p:ph type="ctrTitle"/>
           </p:nvPr>
         </p:nvSpPr>
         <p:spPr/>
@@ -4850,17 +4885,17 @@
           <a:p>
             <a:r>
               <a:rPr lang="es-CO" dirty="0"/>
-              <a:t>De selección</a:t>
-            </a:r>
-          </a:p>
-        </p:txBody>
-      </p:sp>
-      <p:sp>
-        <p:nvSpPr>
-          <p:cNvPr id="3" name="Marcador de contenido 2">
+              <a:t>Sentencias</a:t>
+            </a:r>
+          </a:p>
+        </p:txBody>
+      </p:sp>
+      <p:sp>
+        <p:nvSpPr>
+          <p:cNvPr id="6" name="Subtítulo 5">
             <a:extLst>
               <a:ext uri="{FF2B5EF4-FFF2-40B4-BE49-F238E27FC236}">
-                <a16:creationId xmlns:a16="http://schemas.microsoft.com/office/drawing/2014/main" id="{C22556D0-D75C-4FB5-86A0-C13D80C3F05B}"/>
+                <a16:creationId xmlns:a16="http://schemas.microsoft.com/office/drawing/2014/main" id="{1B9468DD-45D3-457C-AC99-9FBE734F8A94}"/>
               </a:ext>
             </a:extLst>
           </p:cNvPr>
@@ -4868,41 +4903,22 @@
             <a:spLocks noGrp="1"/>
           </p:cNvSpPr>
           <p:nvPr>
-            <p:ph idx="1"/>
-          </p:nvPr>
-        </p:nvSpPr>
-        <p:spPr/>
-        <p:txBody>
-          <a:bodyPr/>
-          <a:lstStyle/>
-          <a:p>
-            <a:r>
-              <a:rPr lang="es-CO" dirty="0" err="1"/>
-              <a:t>If</a:t>
-            </a:r>
-            <a:r>
-              <a:rPr lang="es-CO" dirty="0"/>
-              <a:t> / </a:t>
-            </a:r>
-            <a:r>
-              <a:rPr lang="es-CO" dirty="0" err="1"/>
-              <a:t>Else</a:t>
-            </a:r>
-            <a:endParaRPr lang="es-CO" dirty="0"/>
-          </a:p>
-          <a:p>
-            <a:r>
-              <a:rPr lang="es-CO" dirty="0" err="1"/>
-              <a:t>Switch</a:t>
-            </a:r>
-            <a:endParaRPr lang="es-CO" dirty="0"/>
+            <p:ph type="subTitle" idx="1"/>
+          </p:nvPr>
+        </p:nvSpPr>
+        <p:spPr/>
+        <p:txBody>
+          <a:bodyPr/>
+          <a:lstStyle/>
+          <a:p>
+            <a:endParaRPr lang="es-CO"/>
           </a:p>
         </p:txBody>
       </p:sp>
     </p:spTree>
     <p:extLst>
       <p:ext uri="{BB962C8B-B14F-4D97-AF65-F5344CB8AC3E}">
-        <p14:creationId xmlns:p14="http://schemas.microsoft.com/office/powerpoint/2010/main" val="2572581061"/>
+        <p14:creationId xmlns:p14="http://schemas.microsoft.com/office/powerpoint/2010/main" val="2096693360"/>
       </p:ext>
     </p:extLst>
   </p:cSld>
@@ -4931,10 +4947,10 @@
       </p:grpSpPr>
       <p:sp>
         <p:nvSpPr>
-          <p:cNvPr id="4" name="Título 3">
+          <p:cNvPr id="2" name="Título 1">
             <a:extLst>
               <a:ext uri="{FF2B5EF4-FFF2-40B4-BE49-F238E27FC236}">
-                <a16:creationId xmlns:a16="http://schemas.microsoft.com/office/drawing/2014/main" id="{A2BAB271-7D12-4049-A3D3-0EB4A736D713}"/>
+                <a16:creationId xmlns:a16="http://schemas.microsoft.com/office/drawing/2014/main" id="{D2466762-77BD-4DBD-A009-8D94B1A2A531}"/>
               </a:ext>
             </a:extLst>
           </p:cNvPr>
@@ -4952,71 +4968,59 @@
           <a:p>
             <a:r>
               <a:rPr lang="es-CO" dirty="0"/>
-              <a:t>Demo Sentencias de selección</a:t>
-            </a:r>
-          </a:p>
-        </p:txBody>
-      </p:sp>
-      <p:pic>
-        <p:nvPicPr>
-          <p:cNvPr id="8" name="Marcador de posición de imagen 7">
+              <a:t>De selección</a:t>
+            </a:r>
+          </a:p>
+        </p:txBody>
+      </p:sp>
+      <p:sp>
+        <p:nvSpPr>
+          <p:cNvPr id="3" name="Marcador de contenido 2">
             <a:extLst>
               <a:ext uri="{FF2B5EF4-FFF2-40B4-BE49-F238E27FC236}">
-                <a16:creationId xmlns:a16="http://schemas.microsoft.com/office/drawing/2014/main" id="{DD4C2EC9-6842-489E-BDEC-E3F5324C0E96}"/>
+                <a16:creationId xmlns:a16="http://schemas.microsoft.com/office/drawing/2014/main" id="{C22556D0-D75C-4FB5-86A0-C13D80C3F05B}"/>
               </a:ext>
             </a:extLst>
           </p:cNvPr>
-          <p:cNvPicPr>
-            <a:picLocks noGrp="1" noChangeAspect="1"/>
-          </p:cNvPicPr>
-          <p:nvPr>
-            <p:ph type="pic" idx="1"/>
-          </p:nvPr>
-        </p:nvPicPr>
-        <p:blipFill>
-          <a:blip r:embed="rId2">
-            <a:extLst>
-              <a:ext uri="{28A0092B-C50C-407E-A947-70E740481C1C}">
-                <a14:useLocalDpi xmlns:a14="http://schemas.microsoft.com/office/drawing/2010/main" val="0"/>
-              </a:ext>
-            </a:extLst>
-          </a:blip>
-          <a:srcRect t="17207" b="17207"/>
-          <a:stretch>
-            <a:fillRect/>
-          </a:stretch>
-        </p:blipFill>
-        <p:spPr/>
-      </p:pic>
-      <p:sp>
-        <p:nvSpPr>
-          <p:cNvPr id="6" name="Marcador de texto 5">
-            <a:extLst>
-              <a:ext uri="{FF2B5EF4-FFF2-40B4-BE49-F238E27FC236}">
-                <a16:creationId xmlns:a16="http://schemas.microsoft.com/office/drawing/2014/main" id="{DB7F3EC9-0374-4D59-A9DB-0B53D3E3B449}"/>
-              </a:ext>
-            </a:extLst>
-          </p:cNvPr>
-          <p:cNvSpPr>
-            <a:spLocks noGrp="1"/>
-          </p:cNvSpPr>
-          <p:nvPr>
-            <p:ph type="body" sz="half" idx="2"/>
-          </p:nvPr>
-        </p:nvSpPr>
-        <p:spPr/>
-        <p:txBody>
-          <a:bodyPr/>
-          <a:lstStyle/>
-          <a:p>
-            <a:endParaRPr lang="es-CO"/>
+          <p:cNvSpPr>
+            <a:spLocks noGrp="1"/>
+          </p:cNvSpPr>
+          <p:nvPr>
+            <p:ph idx="1"/>
+          </p:nvPr>
+        </p:nvSpPr>
+        <p:spPr/>
+        <p:txBody>
+          <a:bodyPr/>
+          <a:lstStyle/>
+          <a:p>
+            <a:r>
+              <a:rPr lang="es-CO" dirty="0" err="1"/>
+              <a:t>If</a:t>
+            </a:r>
+            <a:r>
+              <a:rPr lang="es-CO" dirty="0"/>
+              <a:t> / </a:t>
+            </a:r>
+            <a:r>
+              <a:rPr lang="es-CO" dirty="0" err="1"/>
+              <a:t>Else</a:t>
+            </a:r>
+            <a:endParaRPr lang="es-CO" dirty="0"/>
+          </a:p>
+          <a:p>
+            <a:r>
+              <a:rPr lang="es-CO" dirty="0" err="1"/>
+              <a:t>Switch</a:t>
+            </a:r>
+            <a:endParaRPr lang="es-CO" dirty="0"/>
           </a:p>
         </p:txBody>
       </p:sp>
     </p:spTree>
     <p:extLst>
       <p:ext uri="{BB962C8B-B14F-4D97-AF65-F5344CB8AC3E}">
-        <p14:creationId xmlns:p14="http://schemas.microsoft.com/office/powerpoint/2010/main" val="851637983"/>
+        <p14:creationId xmlns:p14="http://schemas.microsoft.com/office/powerpoint/2010/main" val="2572581061"/>
       </p:ext>
     </p:extLst>
   </p:cSld>
@@ -5045,10 +5049,10 @@
       </p:grpSpPr>
       <p:sp>
         <p:nvSpPr>
-          <p:cNvPr id="2" name="Título 1">
+          <p:cNvPr id="4" name="Título 3">
             <a:extLst>
               <a:ext uri="{FF2B5EF4-FFF2-40B4-BE49-F238E27FC236}">
-                <a16:creationId xmlns:a16="http://schemas.microsoft.com/office/drawing/2014/main" id="{4FD10E8A-6A66-4886-B0D8-0DCF88D31D76}"/>
+                <a16:creationId xmlns:a16="http://schemas.microsoft.com/office/drawing/2014/main" id="{A2BAB271-7D12-4049-A3D3-0EB4A736D713}"/>
               </a:ext>
             </a:extLst>
           </p:cNvPr>
@@ -5066,69 +5070,71 @@
           <a:p>
             <a:r>
               <a:rPr lang="es-CO" dirty="0"/>
-              <a:t>De Iteración</a:t>
-            </a:r>
-          </a:p>
-        </p:txBody>
-      </p:sp>
-      <p:sp>
-        <p:nvSpPr>
-          <p:cNvPr id="3" name="Marcador de contenido 2">
+              <a:t>Demo Sentencias de selección</a:t>
+            </a:r>
+          </a:p>
+        </p:txBody>
+      </p:sp>
+      <p:pic>
+        <p:nvPicPr>
+          <p:cNvPr id="8" name="Marcador de posición de imagen 7">
             <a:extLst>
               <a:ext uri="{FF2B5EF4-FFF2-40B4-BE49-F238E27FC236}">
-                <a16:creationId xmlns:a16="http://schemas.microsoft.com/office/drawing/2014/main" id="{ABB8A764-A34E-430B-AE72-FB74E6BCB12F}"/>
+                <a16:creationId xmlns:a16="http://schemas.microsoft.com/office/drawing/2014/main" id="{DD4C2EC9-6842-489E-BDEC-E3F5324C0E96}"/>
               </a:ext>
             </a:extLst>
           </p:cNvPr>
-          <p:cNvSpPr>
-            <a:spLocks noGrp="1"/>
-          </p:cNvSpPr>
-          <p:nvPr>
-            <p:ph idx="1"/>
-          </p:nvPr>
-        </p:nvSpPr>
-        <p:spPr/>
-        <p:txBody>
-          <a:bodyPr/>
-          <a:lstStyle/>
-          <a:p>
-            <a:r>
-              <a:rPr lang="es-CO" dirty="0" err="1"/>
-              <a:t>While</a:t>
-            </a:r>
-            <a:endParaRPr lang="es-CO" dirty="0"/>
-          </a:p>
-          <a:p>
-            <a:r>
-              <a:rPr lang="es-CO" dirty="0"/>
-              <a:t>Do </a:t>
-            </a:r>
-            <a:r>
-              <a:rPr lang="es-CO" dirty="0" err="1"/>
-              <a:t>while</a:t>
-            </a:r>
-            <a:endParaRPr lang="es-CO" dirty="0"/>
-          </a:p>
-          <a:p>
-            <a:r>
-              <a:rPr lang="es-CO" dirty="0" err="1"/>
-              <a:t>For</a:t>
-            </a:r>
-            <a:endParaRPr lang="es-CO" dirty="0"/>
-          </a:p>
-          <a:p>
-            <a:r>
-              <a:rPr lang="es-CO" dirty="0" err="1"/>
-              <a:t>Foreach</a:t>
-            </a:r>
-            <a:endParaRPr lang="es-CO" dirty="0"/>
+          <p:cNvPicPr>
+            <a:picLocks noGrp="1" noChangeAspect="1"/>
+          </p:cNvPicPr>
+          <p:nvPr>
+            <p:ph type="pic" idx="1"/>
+          </p:nvPr>
+        </p:nvPicPr>
+        <p:blipFill>
+          <a:blip r:embed="rId2">
+            <a:extLst>
+              <a:ext uri="{28A0092B-C50C-407E-A947-70E740481C1C}">
+                <a14:useLocalDpi xmlns:a14="http://schemas.microsoft.com/office/drawing/2010/main" val="0"/>
+              </a:ext>
+            </a:extLst>
+          </a:blip>
+          <a:srcRect t="17207" b="17207"/>
+          <a:stretch>
+            <a:fillRect/>
+          </a:stretch>
+        </p:blipFill>
+        <p:spPr/>
+      </p:pic>
+      <p:sp>
+        <p:nvSpPr>
+          <p:cNvPr id="6" name="Marcador de texto 5">
+            <a:extLst>
+              <a:ext uri="{FF2B5EF4-FFF2-40B4-BE49-F238E27FC236}">
+                <a16:creationId xmlns:a16="http://schemas.microsoft.com/office/drawing/2014/main" id="{DB7F3EC9-0374-4D59-A9DB-0B53D3E3B449}"/>
+              </a:ext>
+            </a:extLst>
+          </p:cNvPr>
+          <p:cNvSpPr>
+            <a:spLocks noGrp="1"/>
+          </p:cNvSpPr>
+          <p:nvPr>
+            <p:ph type="body" sz="half" idx="2"/>
+          </p:nvPr>
+        </p:nvSpPr>
+        <p:spPr/>
+        <p:txBody>
+          <a:bodyPr/>
+          <a:lstStyle/>
+          <a:p>
+            <a:endParaRPr lang="es-CO"/>
           </a:p>
         </p:txBody>
       </p:sp>
     </p:spTree>
     <p:extLst>
       <p:ext uri="{BB962C8B-B14F-4D97-AF65-F5344CB8AC3E}">
-        <p14:creationId xmlns:p14="http://schemas.microsoft.com/office/powerpoint/2010/main" val="703034779"/>
+        <p14:creationId xmlns:p14="http://schemas.microsoft.com/office/powerpoint/2010/main" val="851637983"/>
       </p:ext>
     </p:extLst>
   </p:cSld>
@@ -5157,10 +5163,10 @@
       </p:grpSpPr>
       <p:sp>
         <p:nvSpPr>
-          <p:cNvPr id="4" name="Título 3">
+          <p:cNvPr id="2" name="Título 1">
             <a:extLst>
               <a:ext uri="{FF2B5EF4-FFF2-40B4-BE49-F238E27FC236}">
-                <a16:creationId xmlns:a16="http://schemas.microsoft.com/office/drawing/2014/main" id="{A2BAB271-7D12-4049-A3D3-0EB4A736D713}"/>
+                <a16:creationId xmlns:a16="http://schemas.microsoft.com/office/drawing/2014/main" id="{4FD10E8A-6A66-4886-B0D8-0DCF88D31D76}"/>
               </a:ext>
             </a:extLst>
           </p:cNvPr>
@@ -5178,71 +5184,69 @@
           <a:p>
             <a:r>
               <a:rPr lang="es-CO" dirty="0"/>
-              <a:t>Demo sentencias de iteración</a:t>
-            </a:r>
-          </a:p>
-        </p:txBody>
-      </p:sp>
-      <p:pic>
-        <p:nvPicPr>
-          <p:cNvPr id="8" name="Marcador de posición de imagen 7">
+              <a:t>De Iteración</a:t>
+            </a:r>
+          </a:p>
+        </p:txBody>
+      </p:sp>
+      <p:sp>
+        <p:nvSpPr>
+          <p:cNvPr id="3" name="Marcador de contenido 2">
             <a:extLst>
               <a:ext uri="{FF2B5EF4-FFF2-40B4-BE49-F238E27FC236}">
-                <a16:creationId xmlns:a16="http://schemas.microsoft.com/office/drawing/2014/main" id="{DD4C2EC9-6842-489E-BDEC-E3F5324C0E96}"/>
+                <a16:creationId xmlns:a16="http://schemas.microsoft.com/office/drawing/2014/main" id="{ABB8A764-A34E-430B-AE72-FB74E6BCB12F}"/>
               </a:ext>
             </a:extLst>
           </p:cNvPr>
-          <p:cNvPicPr>
-            <a:picLocks noGrp="1" noChangeAspect="1"/>
-          </p:cNvPicPr>
-          <p:nvPr>
-            <p:ph type="pic" idx="1"/>
-          </p:nvPr>
-        </p:nvPicPr>
-        <p:blipFill>
-          <a:blip r:embed="rId2">
-            <a:extLst>
-              <a:ext uri="{28A0092B-C50C-407E-A947-70E740481C1C}">
-                <a14:useLocalDpi xmlns:a14="http://schemas.microsoft.com/office/drawing/2010/main" val="0"/>
-              </a:ext>
-            </a:extLst>
-          </a:blip>
-          <a:srcRect t="17207" b="17207"/>
-          <a:stretch>
-            <a:fillRect/>
-          </a:stretch>
-        </p:blipFill>
-        <p:spPr/>
-      </p:pic>
-      <p:sp>
-        <p:nvSpPr>
-          <p:cNvPr id="6" name="Marcador de texto 5">
-            <a:extLst>
-              <a:ext uri="{FF2B5EF4-FFF2-40B4-BE49-F238E27FC236}">
-                <a16:creationId xmlns:a16="http://schemas.microsoft.com/office/drawing/2014/main" id="{DB7F3EC9-0374-4D59-A9DB-0B53D3E3B449}"/>
-              </a:ext>
-            </a:extLst>
-          </p:cNvPr>
-          <p:cNvSpPr>
-            <a:spLocks noGrp="1"/>
-          </p:cNvSpPr>
-          <p:nvPr>
-            <p:ph type="body" sz="half" idx="2"/>
-          </p:nvPr>
-        </p:nvSpPr>
-        <p:spPr/>
-        <p:txBody>
-          <a:bodyPr/>
-          <a:lstStyle/>
-          <a:p>
-            <a:endParaRPr lang="es-CO"/>
+          <p:cNvSpPr>
+            <a:spLocks noGrp="1"/>
+          </p:cNvSpPr>
+          <p:nvPr>
+            <p:ph idx="1"/>
+          </p:nvPr>
+        </p:nvSpPr>
+        <p:spPr/>
+        <p:txBody>
+          <a:bodyPr/>
+          <a:lstStyle/>
+          <a:p>
+            <a:r>
+              <a:rPr lang="es-CO" dirty="0" err="1"/>
+              <a:t>While</a:t>
+            </a:r>
+            <a:endParaRPr lang="es-CO" dirty="0"/>
+          </a:p>
+          <a:p>
+            <a:r>
+              <a:rPr lang="es-CO" dirty="0"/>
+              <a:t>Do </a:t>
+            </a:r>
+            <a:r>
+              <a:rPr lang="es-CO" dirty="0" err="1"/>
+              <a:t>while</a:t>
+            </a:r>
+            <a:endParaRPr lang="es-CO" dirty="0"/>
+          </a:p>
+          <a:p>
+            <a:r>
+              <a:rPr lang="es-CO" dirty="0" err="1"/>
+              <a:t>For</a:t>
+            </a:r>
+            <a:endParaRPr lang="es-CO" dirty="0"/>
+          </a:p>
+          <a:p>
+            <a:r>
+              <a:rPr lang="es-CO" dirty="0" err="1"/>
+              <a:t>Foreach</a:t>
+            </a:r>
+            <a:endParaRPr lang="es-CO" dirty="0"/>
           </a:p>
         </p:txBody>
       </p:sp>
     </p:spTree>
     <p:extLst>
       <p:ext uri="{BB962C8B-B14F-4D97-AF65-F5344CB8AC3E}">
-        <p14:creationId xmlns:p14="http://schemas.microsoft.com/office/powerpoint/2010/main" val="3416326767"/>
+        <p14:creationId xmlns:p14="http://schemas.microsoft.com/office/powerpoint/2010/main" val="703034779"/>
       </p:ext>
     </p:extLst>
   </p:cSld>
@@ -5436,10 +5440,10 @@
       </p:grpSpPr>
       <p:sp>
         <p:nvSpPr>
-          <p:cNvPr id="2" name="Título 1">
+          <p:cNvPr id="4" name="Título 3">
             <a:extLst>
               <a:ext uri="{FF2B5EF4-FFF2-40B4-BE49-F238E27FC236}">
-                <a16:creationId xmlns:a16="http://schemas.microsoft.com/office/drawing/2014/main" id="{7D1F120D-B023-4AAC-89F9-228D5E903154}"/>
+                <a16:creationId xmlns:a16="http://schemas.microsoft.com/office/drawing/2014/main" id="{A2BAB271-7D12-4049-A3D3-0EB4A736D713}"/>
               </a:ext>
             </a:extLst>
           </p:cNvPr>
@@ -5457,60 +5461,71 @@
           <a:p>
             <a:r>
               <a:rPr lang="es-CO" dirty="0"/>
-              <a:t>De salto</a:t>
-            </a:r>
-          </a:p>
-        </p:txBody>
-      </p:sp>
-      <p:sp>
-        <p:nvSpPr>
-          <p:cNvPr id="3" name="Marcador de contenido 2">
+              <a:t>Demo sentencias de iteración</a:t>
+            </a:r>
+          </a:p>
+        </p:txBody>
+      </p:sp>
+      <p:pic>
+        <p:nvPicPr>
+          <p:cNvPr id="8" name="Marcador de posición de imagen 7">
             <a:extLst>
               <a:ext uri="{FF2B5EF4-FFF2-40B4-BE49-F238E27FC236}">
-                <a16:creationId xmlns:a16="http://schemas.microsoft.com/office/drawing/2014/main" id="{A340D4AD-5261-4BB1-94D7-094843D8AB88}"/>
+                <a16:creationId xmlns:a16="http://schemas.microsoft.com/office/drawing/2014/main" id="{DD4C2EC9-6842-489E-BDEC-E3F5324C0E96}"/>
               </a:ext>
             </a:extLst>
           </p:cNvPr>
-          <p:cNvSpPr>
-            <a:spLocks noGrp="1"/>
-          </p:cNvSpPr>
-          <p:nvPr>
-            <p:ph idx="1"/>
-          </p:nvPr>
-        </p:nvSpPr>
-        <p:spPr/>
-        <p:txBody>
-          <a:bodyPr/>
-          <a:lstStyle/>
-          <a:p>
-            <a:r>
-              <a:rPr lang="es-CO" dirty="0"/>
-              <a:t>Break</a:t>
-            </a:r>
-          </a:p>
-          <a:p>
-            <a:r>
-              <a:rPr lang="es-CO" dirty="0" err="1"/>
-              <a:t>Continue</a:t>
-            </a:r>
-            <a:r>
-              <a:rPr lang="es-CO" dirty="0"/>
-              <a:t> </a:t>
-            </a:r>
-          </a:p>
-          <a:p>
-            <a:r>
-              <a:rPr lang="es-CO" dirty="0" err="1"/>
-              <a:t>GoTo</a:t>
-            </a:r>
-            <a:endParaRPr lang="es-CO" dirty="0"/>
+          <p:cNvPicPr>
+            <a:picLocks noGrp="1" noChangeAspect="1"/>
+          </p:cNvPicPr>
+          <p:nvPr>
+            <p:ph type="pic" idx="1"/>
+          </p:nvPr>
+        </p:nvPicPr>
+        <p:blipFill>
+          <a:blip r:embed="rId2">
+            <a:extLst>
+              <a:ext uri="{28A0092B-C50C-407E-A947-70E740481C1C}">
+                <a14:useLocalDpi xmlns:a14="http://schemas.microsoft.com/office/drawing/2010/main" val="0"/>
+              </a:ext>
+            </a:extLst>
+          </a:blip>
+          <a:srcRect t="17207" b="17207"/>
+          <a:stretch>
+            <a:fillRect/>
+          </a:stretch>
+        </p:blipFill>
+        <p:spPr/>
+      </p:pic>
+      <p:sp>
+        <p:nvSpPr>
+          <p:cNvPr id="6" name="Marcador de texto 5">
+            <a:extLst>
+              <a:ext uri="{FF2B5EF4-FFF2-40B4-BE49-F238E27FC236}">
+                <a16:creationId xmlns:a16="http://schemas.microsoft.com/office/drawing/2014/main" id="{DB7F3EC9-0374-4D59-A9DB-0B53D3E3B449}"/>
+              </a:ext>
+            </a:extLst>
+          </p:cNvPr>
+          <p:cNvSpPr>
+            <a:spLocks noGrp="1"/>
+          </p:cNvSpPr>
+          <p:nvPr>
+            <p:ph type="body" sz="half" idx="2"/>
+          </p:nvPr>
+        </p:nvSpPr>
+        <p:spPr/>
+        <p:txBody>
+          <a:bodyPr/>
+          <a:lstStyle/>
+          <a:p>
+            <a:endParaRPr lang="es-CO"/>
           </a:p>
         </p:txBody>
       </p:sp>
     </p:spTree>
     <p:extLst>
       <p:ext uri="{BB962C8B-B14F-4D97-AF65-F5344CB8AC3E}">
-        <p14:creationId xmlns:p14="http://schemas.microsoft.com/office/powerpoint/2010/main" val="2588234908"/>
+        <p14:creationId xmlns:p14="http://schemas.microsoft.com/office/powerpoint/2010/main" val="3416326767"/>
       </p:ext>
     </p:extLst>
   </p:cSld>
@@ -5539,6 +5554,109 @@
       </p:grpSpPr>
       <p:sp>
         <p:nvSpPr>
+          <p:cNvPr id="2" name="Título 1">
+            <a:extLst>
+              <a:ext uri="{FF2B5EF4-FFF2-40B4-BE49-F238E27FC236}">
+                <a16:creationId xmlns:a16="http://schemas.microsoft.com/office/drawing/2014/main" id="{7D1F120D-B023-4AAC-89F9-228D5E903154}"/>
+              </a:ext>
+            </a:extLst>
+          </p:cNvPr>
+          <p:cNvSpPr>
+            <a:spLocks noGrp="1"/>
+          </p:cNvSpPr>
+          <p:nvPr>
+            <p:ph type="title"/>
+          </p:nvPr>
+        </p:nvSpPr>
+        <p:spPr/>
+        <p:txBody>
+          <a:bodyPr/>
+          <a:lstStyle/>
+          <a:p>
+            <a:r>
+              <a:rPr lang="es-CO" dirty="0"/>
+              <a:t>De salto</a:t>
+            </a:r>
+          </a:p>
+        </p:txBody>
+      </p:sp>
+      <p:sp>
+        <p:nvSpPr>
+          <p:cNvPr id="3" name="Marcador de contenido 2">
+            <a:extLst>
+              <a:ext uri="{FF2B5EF4-FFF2-40B4-BE49-F238E27FC236}">
+                <a16:creationId xmlns:a16="http://schemas.microsoft.com/office/drawing/2014/main" id="{A340D4AD-5261-4BB1-94D7-094843D8AB88}"/>
+              </a:ext>
+            </a:extLst>
+          </p:cNvPr>
+          <p:cNvSpPr>
+            <a:spLocks noGrp="1"/>
+          </p:cNvSpPr>
+          <p:nvPr>
+            <p:ph idx="1"/>
+          </p:nvPr>
+        </p:nvSpPr>
+        <p:spPr/>
+        <p:txBody>
+          <a:bodyPr/>
+          <a:lstStyle/>
+          <a:p>
+            <a:r>
+              <a:rPr lang="es-CO" dirty="0"/>
+              <a:t>Break</a:t>
+            </a:r>
+          </a:p>
+          <a:p>
+            <a:r>
+              <a:rPr lang="es-CO" dirty="0" err="1"/>
+              <a:t>Continue</a:t>
+            </a:r>
+            <a:r>
+              <a:rPr lang="es-CO" dirty="0"/>
+              <a:t> </a:t>
+            </a:r>
+          </a:p>
+          <a:p>
+            <a:r>
+              <a:rPr lang="es-CO" dirty="0" err="1"/>
+              <a:t>GoTo</a:t>
+            </a:r>
+            <a:endParaRPr lang="es-CO" dirty="0"/>
+          </a:p>
+        </p:txBody>
+      </p:sp>
+    </p:spTree>
+    <p:extLst>
+      <p:ext uri="{BB962C8B-B14F-4D97-AF65-F5344CB8AC3E}">
+        <p14:creationId xmlns:p14="http://schemas.microsoft.com/office/powerpoint/2010/main" val="2588234908"/>
+      </p:ext>
+    </p:extLst>
+  </p:cSld>
+  <p:clrMapOvr>
+    <a:masterClrMapping/>
+  </p:clrMapOvr>
+</p:sld>
+</file>
+
+<file path=ppt/slides/slide22.xml><?xml version="1.0" encoding="utf-8"?>
+<p:sld xmlns:a="http://schemas.openxmlformats.org/drawingml/2006/main" xmlns:r="http://schemas.openxmlformats.org/officeDocument/2006/relationships" xmlns:p="http://schemas.openxmlformats.org/presentationml/2006/main">
+  <p:cSld>
+    <p:spTree>
+      <p:nvGrpSpPr>
+        <p:cNvPr id="1" name=""/>
+        <p:cNvGrpSpPr/>
+        <p:nvPr/>
+      </p:nvGrpSpPr>
+      <p:grpSpPr>
+        <a:xfrm>
+          <a:off x="0" y="0"/>
+          <a:ext cx="0" cy="0"/>
+          <a:chOff x="0" y="0"/>
+          <a:chExt cx="0" cy="0"/>
+        </a:xfrm>
+      </p:grpSpPr>
+      <p:sp>
+        <p:nvSpPr>
           <p:cNvPr id="4" name="Título 3">
             <a:extLst>
               <a:ext uri="{FF2B5EF4-FFF2-40B4-BE49-F238E27FC236}">
@@ -5635,6 +5753,425 @@
 </file>
 
 <file path=ppt/slides/slide3.xml><?xml version="1.0" encoding="utf-8"?>
+<p:sld xmlns:a="http://schemas.openxmlformats.org/drawingml/2006/main" xmlns:r="http://schemas.openxmlformats.org/officeDocument/2006/relationships" xmlns:p="http://schemas.openxmlformats.org/presentationml/2006/main">
+  <p:cSld>
+    <p:spTree>
+      <p:nvGrpSpPr>
+        <p:cNvPr id="1" name=""/>
+        <p:cNvGrpSpPr/>
+        <p:nvPr/>
+      </p:nvGrpSpPr>
+      <p:grpSpPr>
+        <a:xfrm>
+          <a:off x="0" y="0"/>
+          <a:ext cx="0" cy="0"/>
+          <a:chOff x="0" y="0"/>
+          <a:chExt cx="0" cy="0"/>
+        </a:xfrm>
+      </p:grpSpPr>
+      <p:sp>
+        <p:nvSpPr>
+          <p:cNvPr id="2" name="Título 1">
+            <a:extLst>
+              <a:ext uri="{FF2B5EF4-FFF2-40B4-BE49-F238E27FC236}">
+                <a16:creationId xmlns:a16="http://schemas.microsoft.com/office/drawing/2014/main" id="{D4FB2E1B-DF3E-4966-8405-9EA135FB9763}"/>
+              </a:ext>
+            </a:extLst>
+          </p:cNvPr>
+          <p:cNvSpPr>
+            <a:spLocks noGrp="1"/>
+          </p:cNvSpPr>
+          <p:nvPr>
+            <p:ph type="title"/>
+          </p:nvPr>
+        </p:nvSpPr>
+        <p:spPr/>
+        <p:txBody>
+          <a:bodyPr/>
+          <a:lstStyle/>
+          <a:p>
+            <a:r>
+              <a:rPr lang="es-CO" dirty="0"/>
+              <a:t>Estructura simple de un programa</a:t>
+            </a:r>
+          </a:p>
+        </p:txBody>
+      </p:sp>
+      <p:pic>
+        <p:nvPicPr>
+          <p:cNvPr id="7" name="Imagen 6">
+            <a:extLst>
+              <a:ext uri="{FF2B5EF4-FFF2-40B4-BE49-F238E27FC236}">
+                <a16:creationId xmlns:a16="http://schemas.microsoft.com/office/drawing/2014/main" id="{DC9B40A3-286E-4073-9E90-0BECCE5850F7}"/>
+              </a:ext>
+            </a:extLst>
+          </p:cNvPr>
+          <p:cNvPicPr>
+            <a:picLocks noChangeAspect="1"/>
+          </p:cNvPicPr>
+          <p:nvPr/>
+        </p:nvPicPr>
+        <p:blipFill>
+          <a:blip r:embed="rId2"/>
+          <a:stretch>
+            <a:fillRect/>
+          </a:stretch>
+        </p:blipFill>
+        <p:spPr>
+          <a:xfrm>
+            <a:off x="827314" y="1832497"/>
+            <a:ext cx="5991115" cy="3945368"/>
+          </a:xfrm>
+          <a:prstGeom prst="rect">
+            <a:avLst/>
+          </a:prstGeom>
+        </p:spPr>
+      </p:pic>
+      <p:cxnSp>
+        <p:nvCxnSpPr>
+          <p:cNvPr id="9" name="Conector recto de flecha 8">
+            <a:extLst>
+              <a:ext uri="{FF2B5EF4-FFF2-40B4-BE49-F238E27FC236}">
+                <a16:creationId xmlns:a16="http://schemas.microsoft.com/office/drawing/2014/main" id="{167F0FE6-DA0D-4B6D-AD1F-615A70F5A76A}"/>
+              </a:ext>
+            </a:extLst>
+          </p:cNvPr>
+          <p:cNvCxnSpPr/>
+          <p:nvPr/>
+        </p:nvCxnSpPr>
+        <p:spPr>
+          <a:xfrm flipH="1">
+            <a:off x="2978331" y="2377440"/>
+            <a:ext cx="4685212" cy="0"/>
+          </a:xfrm>
+          <a:prstGeom prst="straightConnector1">
+            <a:avLst/>
+          </a:prstGeom>
+          <a:ln w="57150">
+            <a:tailEnd type="triangle"/>
+          </a:ln>
+        </p:spPr>
+        <p:style>
+          <a:lnRef idx="1">
+            <a:schemeClr val="accent1"/>
+          </a:lnRef>
+          <a:fillRef idx="0">
+            <a:schemeClr val="accent1"/>
+          </a:fillRef>
+          <a:effectRef idx="0">
+            <a:schemeClr val="accent1"/>
+          </a:effectRef>
+          <a:fontRef idx="minor">
+            <a:schemeClr val="tx1"/>
+          </a:fontRef>
+        </p:style>
+      </p:cxnSp>
+      <p:cxnSp>
+        <p:nvCxnSpPr>
+          <p:cNvPr id="10" name="Conector recto de flecha 9">
+            <a:extLst>
+              <a:ext uri="{FF2B5EF4-FFF2-40B4-BE49-F238E27FC236}">
+                <a16:creationId xmlns:a16="http://schemas.microsoft.com/office/drawing/2014/main" id="{EDB4146B-0173-4612-BB87-6E2B5B7D2F21}"/>
+              </a:ext>
+            </a:extLst>
+          </p:cNvPr>
+          <p:cNvCxnSpPr>
+            <a:cxnSpLocks/>
+          </p:cNvCxnSpPr>
+          <p:nvPr/>
+        </p:nvCxnSpPr>
+        <p:spPr>
+          <a:xfrm flipH="1">
+            <a:off x="4323805" y="2825931"/>
+            <a:ext cx="3339738" cy="0"/>
+          </a:xfrm>
+          <a:prstGeom prst="straightConnector1">
+            <a:avLst/>
+          </a:prstGeom>
+          <a:ln w="57150">
+            <a:tailEnd type="triangle"/>
+          </a:ln>
+        </p:spPr>
+        <p:style>
+          <a:lnRef idx="1">
+            <a:schemeClr val="accent1"/>
+          </a:lnRef>
+          <a:fillRef idx="0">
+            <a:schemeClr val="accent1"/>
+          </a:fillRef>
+          <a:effectRef idx="0">
+            <a:schemeClr val="accent1"/>
+          </a:effectRef>
+          <a:fontRef idx="minor">
+            <a:schemeClr val="tx1"/>
+          </a:fontRef>
+        </p:style>
+      </p:cxnSp>
+      <p:cxnSp>
+        <p:nvCxnSpPr>
+          <p:cNvPr id="12" name="Conector recto de flecha 11">
+            <a:extLst>
+              <a:ext uri="{FF2B5EF4-FFF2-40B4-BE49-F238E27FC236}">
+                <a16:creationId xmlns:a16="http://schemas.microsoft.com/office/drawing/2014/main" id="{A33AE79D-EAFB-4D1C-ABAC-08ECE4EEE582}"/>
+              </a:ext>
+            </a:extLst>
+          </p:cNvPr>
+          <p:cNvCxnSpPr>
+            <a:cxnSpLocks/>
+          </p:cNvCxnSpPr>
+          <p:nvPr/>
+        </p:nvCxnSpPr>
+        <p:spPr>
+          <a:xfrm flipH="1">
+            <a:off x="3291839" y="3518262"/>
+            <a:ext cx="4371704" cy="0"/>
+          </a:xfrm>
+          <a:prstGeom prst="straightConnector1">
+            <a:avLst/>
+          </a:prstGeom>
+          <a:ln w="57150">
+            <a:tailEnd type="triangle"/>
+          </a:ln>
+        </p:spPr>
+        <p:style>
+          <a:lnRef idx="1">
+            <a:schemeClr val="accent1"/>
+          </a:lnRef>
+          <a:fillRef idx="0">
+            <a:schemeClr val="accent1"/>
+          </a:fillRef>
+          <a:effectRef idx="0">
+            <a:schemeClr val="accent1"/>
+          </a:effectRef>
+          <a:fontRef idx="minor">
+            <a:schemeClr val="tx1"/>
+          </a:fontRef>
+        </p:style>
+      </p:cxnSp>
+      <p:cxnSp>
+        <p:nvCxnSpPr>
+          <p:cNvPr id="14" name="Conector recto de flecha 13">
+            <a:extLst>
+              <a:ext uri="{FF2B5EF4-FFF2-40B4-BE49-F238E27FC236}">
+                <a16:creationId xmlns:a16="http://schemas.microsoft.com/office/drawing/2014/main" id="{818783AA-FBA0-4358-985B-A21E17B1CA5A}"/>
+              </a:ext>
+            </a:extLst>
+          </p:cNvPr>
+          <p:cNvCxnSpPr>
+            <a:cxnSpLocks/>
+            <a:stCxn id="19" idx="1"/>
+          </p:cNvCxnSpPr>
+          <p:nvPr/>
+        </p:nvCxnSpPr>
+        <p:spPr>
+          <a:xfrm flipH="1" flipV="1">
+            <a:off x="5320937" y="4232365"/>
+            <a:ext cx="2342606" cy="12326"/>
+          </a:xfrm>
+          <a:prstGeom prst="straightConnector1">
+            <a:avLst/>
+          </a:prstGeom>
+          <a:ln w="57150">
+            <a:tailEnd type="triangle"/>
+          </a:ln>
+        </p:spPr>
+        <p:style>
+          <a:lnRef idx="1">
+            <a:schemeClr val="accent1"/>
+          </a:lnRef>
+          <a:fillRef idx="0">
+            <a:schemeClr val="accent1"/>
+          </a:fillRef>
+          <a:effectRef idx="0">
+            <a:schemeClr val="accent1"/>
+          </a:effectRef>
+          <a:fontRef idx="minor">
+            <a:schemeClr val="tx1"/>
+          </a:fontRef>
+        </p:style>
+      </p:cxnSp>
+      <p:sp>
+        <p:nvSpPr>
+          <p:cNvPr id="16" name="CuadroTexto 15">
+            <a:extLst>
+              <a:ext uri="{FF2B5EF4-FFF2-40B4-BE49-F238E27FC236}">
+                <a16:creationId xmlns:a16="http://schemas.microsoft.com/office/drawing/2014/main" id="{7F1AE271-E74E-4947-8D38-F1FF0DE302BD}"/>
+              </a:ext>
+            </a:extLst>
+          </p:cNvPr>
+          <p:cNvSpPr txBox="1"/>
+          <p:nvPr/>
+        </p:nvSpPr>
+        <p:spPr>
+          <a:xfrm>
+            <a:off x="7663543" y="2157731"/>
+            <a:ext cx="3535680" cy="369332"/>
+          </a:xfrm>
+          <a:prstGeom prst="rect">
+            <a:avLst/>
+          </a:prstGeom>
+          <a:noFill/>
+          <a:ln>
+            <a:solidFill>
+              <a:schemeClr val="accent1">
+                <a:lumMod val="75000"/>
+              </a:schemeClr>
+            </a:solidFill>
+          </a:ln>
+        </p:spPr>
+        <p:txBody>
+          <a:bodyPr wrap="square" rtlCol="0">
+            <a:spAutoFit/>
+          </a:bodyPr>
+          <a:lstStyle/>
+          <a:p>
+            <a:r>
+              <a:rPr lang="es-CO" dirty="0"/>
+              <a:t>Librerías que se usarán</a:t>
+            </a:r>
+          </a:p>
+        </p:txBody>
+      </p:sp>
+      <p:sp>
+        <p:nvSpPr>
+          <p:cNvPr id="17" name="CuadroTexto 16">
+            <a:extLst>
+              <a:ext uri="{FF2B5EF4-FFF2-40B4-BE49-F238E27FC236}">
+                <a16:creationId xmlns:a16="http://schemas.microsoft.com/office/drawing/2014/main" id="{57674714-4C43-484C-8CB4-DC18C0089F57}"/>
+              </a:ext>
+            </a:extLst>
+          </p:cNvPr>
+          <p:cNvSpPr txBox="1"/>
+          <p:nvPr/>
+        </p:nvSpPr>
+        <p:spPr>
+          <a:xfrm>
+            <a:off x="7663543" y="2653330"/>
+            <a:ext cx="3535680" cy="369332"/>
+          </a:xfrm>
+          <a:prstGeom prst="rect">
+            <a:avLst/>
+          </a:prstGeom>
+          <a:noFill/>
+          <a:ln>
+            <a:solidFill>
+              <a:schemeClr val="accent1">
+                <a:lumMod val="75000"/>
+              </a:schemeClr>
+            </a:solidFill>
+          </a:ln>
+        </p:spPr>
+        <p:txBody>
+          <a:bodyPr wrap="square" rtlCol="0">
+            <a:spAutoFit/>
+          </a:bodyPr>
+          <a:lstStyle/>
+          <a:p>
+            <a:r>
+              <a:rPr lang="es-CO" dirty="0"/>
+              <a:t>Espacio de nombres</a:t>
+            </a:r>
+          </a:p>
+        </p:txBody>
+      </p:sp>
+      <p:sp>
+        <p:nvSpPr>
+          <p:cNvPr id="18" name="CuadroTexto 17">
+            <a:extLst>
+              <a:ext uri="{FF2B5EF4-FFF2-40B4-BE49-F238E27FC236}">
+                <a16:creationId xmlns:a16="http://schemas.microsoft.com/office/drawing/2014/main" id="{A6AB2FF1-FBDB-4987-ACB7-5331607B0B39}"/>
+              </a:ext>
+            </a:extLst>
+          </p:cNvPr>
+          <p:cNvSpPr txBox="1"/>
+          <p:nvPr/>
+        </p:nvSpPr>
+        <p:spPr>
+          <a:xfrm>
+            <a:off x="7663543" y="3333596"/>
+            <a:ext cx="3535680" cy="369332"/>
+          </a:xfrm>
+          <a:prstGeom prst="rect">
+            <a:avLst/>
+          </a:prstGeom>
+          <a:noFill/>
+          <a:ln>
+            <a:solidFill>
+              <a:schemeClr val="accent1">
+                <a:lumMod val="75000"/>
+              </a:schemeClr>
+            </a:solidFill>
+          </a:ln>
+        </p:spPr>
+        <p:txBody>
+          <a:bodyPr wrap="square" rtlCol="0">
+            <a:spAutoFit/>
+          </a:bodyPr>
+          <a:lstStyle/>
+          <a:p>
+            <a:r>
+              <a:rPr lang="es-CO" dirty="0"/>
+              <a:t>Clase</a:t>
+            </a:r>
+          </a:p>
+        </p:txBody>
+      </p:sp>
+      <p:sp>
+        <p:nvSpPr>
+          <p:cNvPr id="19" name="CuadroTexto 18">
+            <a:extLst>
+              <a:ext uri="{FF2B5EF4-FFF2-40B4-BE49-F238E27FC236}">
+                <a16:creationId xmlns:a16="http://schemas.microsoft.com/office/drawing/2014/main" id="{2F36C77E-BBA7-4E23-ACB6-FBF05C1D84B1}"/>
+              </a:ext>
+            </a:extLst>
+          </p:cNvPr>
+          <p:cNvSpPr txBox="1"/>
+          <p:nvPr/>
+        </p:nvSpPr>
+        <p:spPr>
+          <a:xfrm>
+            <a:off x="7663543" y="4060025"/>
+            <a:ext cx="3448594" cy="369332"/>
+          </a:xfrm>
+          <a:prstGeom prst="rect">
+            <a:avLst/>
+          </a:prstGeom>
+          <a:noFill/>
+          <a:ln>
+            <a:solidFill>
+              <a:schemeClr val="accent1">
+                <a:lumMod val="75000"/>
+              </a:schemeClr>
+            </a:solidFill>
+          </a:ln>
+        </p:spPr>
+        <p:txBody>
+          <a:bodyPr wrap="square" rtlCol="0">
+            <a:spAutoFit/>
+          </a:bodyPr>
+          <a:lstStyle/>
+          <a:p>
+            <a:r>
+              <a:rPr lang="es-CO" dirty="0"/>
+              <a:t>Método Main</a:t>
+            </a:r>
+          </a:p>
+        </p:txBody>
+      </p:sp>
+    </p:spTree>
+    <p:extLst>
+      <p:ext uri="{BB962C8B-B14F-4D97-AF65-F5344CB8AC3E}">
+        <p14:creationId xmlns:p14="http://schemas.microsoft.com/office/powerpoint/2010/main" val="4101973455"/>
+      </p:ext>
+    </p:extLst>
+  </p:cSld>
+  <p:clrMapOvr>
+    <a:masterClrMapping/>
+  </p:clrMapOvr>
+</p:sld>
+</file>
+
+<file path=ppt/slides/slide4.xml><?xml version="1.0" encoding="utf-8"?>
 <p:sld xmlns:a="http://schemas.openxmlformats.org/drawingml/2006/main" xmlns:r="http://schemas.openxmlformats.org/officeDocument/2006/relationships" xmlns:p="http://schemas.openxmlformats.org/presentationml/2006/main">
   <p:cSld>
     <p:spTree>
@@ -5747,7 +6284,7 @@
 </p:sld>
 </file>
 
-<file path=ppt/slides/slide4.xml><?xml version="1.0" encoding="utf-8"?>
+<file path=ppt/slides/slide5.xml><?xml version="1.0" encoding="utf-8"?>
 <p:sld xmlns:a="http://schemas.openxmlformats.org/drawingml/2006/main" xmlns:r="http://schemas.openxmlformats.org/officeDocument/2006/relationships" xmlns:p="http://schemas.openxmlformats.org/presentationml/2006/main">
   <p:cSld>
     <p:spTree>
@@ -5860,112 +6397,6 @@
 </p:sld>
 </file>
 
-<file path=ppt/slides/slide5.xml><?xml version="1.0" encoding="utf-8"?>
-<p:sld xmlns:a="http://schemas.openxmlformats.org/drawingml/2006/main" xmlns:r="http://schemas.openxmlformats.org/officeDocument/2006/relationships" xmlns:p="http://schemas.openxmlformats.org/presentationml/2006/main">
-  <p:cSld>
-    <p:spTree>
-      <p:nvGrpSpPr>
-        <p:cNvPr id="1" name=""/>
-        <p:cNvGrpSpPr/>
-        <p:nvPr/>
-      </p:nvGrpSpPr>
-      <p:grpSpPr>
-        <a:xfrm>
-          <a:off x="0" y="0"/>
-          <a:ext cx="0" cy="0"/>
-          <a:chOff x="0" y="0"/>
-          <a:chExt cx="0" cy="0"/>
-        </a:xfrm>
-      </p:grpSpPr>
-      <p:sp>
-        <p:nvSpPr>
-          <p:cNvPr id="2" name="Título 1">
-            <a:extLst>
-              <a:ext uri="{FF2B5EF4-FFF2-40B4-BE49-F238E27FC236}">
-                <a16:creationId xmlns:a16="http://schemas.microsoft.com/office/drawing/2014/main" id="{106E09B6-7099-43A4-B8BA-DA4A71C66CE3}"/>
-              </a:ext>
-            </a:extLst>
-          </p:cNvPr>
-          <p:cNvSpPr>
-            <a:spLocks noGrp="1"/>
-          </p:cNvSpPr>
-          <p:nvPr>
-            <p:ph type="title"/>
-          </p:nvPr>
-        </p:nvSpPr>
-        <p:spPr/>
-        <p:txBody>
-          <a:bodyPr/>
-          <a:lstStyle/>
-          <a:p>
-            <a:r>
-              <a:rPr lang="es-CO" dirty="0"/>
-              <a:t>Tipos por Valor y Referencia</a:t>
-            </a:r>
-          </a:p>
-        </p:txBody>
-      </p:sp>
-      <p:sp>
-        <p:nvSpPr>
-          <p:cNvPr id="3" name="Marcador de contenido 2">
-            <a:extLst>
-              <a:ext uri="{FF2B5EF4-FFF2-40B4-BE49-F238E27FC236}">
-                <a16:creationId xmlns:a16="http://schemas.microsoft.com/office/drawing/2014/main" id="{8A758010-F8E9-4C34-81EA-2B5F8CCC66AF}"/>
-              </a:ext>
-            </a:extLst>
-          </p:cNvPr>
-          <p:cNvSpPr>
-            <a:spLocks noGrp="1"/>
-          </p:cNvSpPr>
-          <p:nvPr>
-            <p:ph idx="1"/>
-          </p:nvPr>
-        </p:nvSpPr>
-        <p:spPr/>
-        <p:txBody>
-          <a:bodyPr/>
-          <a:lstStyle/>
-          <a:p>
-            <a:pPr>
-              <a:buFont typeface="Wingdings" panose="05000000000000000000" pitchFamily="2" charset="2"/>
-              <a:buChar char="q"/>
-            </a:pPr>
-            <a:r>
-              <a:rPr lang="es-CO" dirty="0"/>
-              <a:t>Los tipos por valor almacenan directamente el valor en dicha variable</a:t>
-            </a:r>
-          </a:p>
-          <a:p>
-            <a:pPr marL="0" indent="0">
-              <a:buNone/>
-            </a:pPr>
-            <a:endParaRPr lang="es-CO" dirty="0"/>
-          </a:p>
-          <a:p>
-            <a:pPr>
-              <a:buFont typeface="Wingdings" panose="05000000000000000000" pitchFamily="2" charset="2"/>
-              <a:buChar char="q"/>
-            </a:pPr>
-            <a:r>
-              <a:rPr lang="es-CO" dirty="0"/>
-              <a:t>Los tipos de datos por referencia, ”apuntan” a un espacio determinado de la memoria donde se almacena dicho valor</a:t>
-            </a:r>
-          </a:p>
-        </p:txBody>
-      </p:sp>
-    </p:spTree>
-    <p:extLst>
-      <p:ext uri="{BB962C8B-B14F-4D97-AF65-F5344CB8AC3E}">
-        <p14:creationId xmlns:p14="http://schemas.microsoft.com/office/powerpoint/2010/main" val="9121969"/>
-      </p:ext>
-    </p:extLst>
-  </p:cSld>
-  <p:clrMapOvr>
-    <a:masterClrMapping/>
-  </p:clrMapOvr>
-</p:sld>
-</file>
-
 <file path=ppt/slides/slide6.xml><?xml version="1.0" encoding="utf-8"?>
 <p:sld xmlns:a="http://schemas.openxmlformats.org/drawingml/2006/main" xmlns:r="http://schemas.openxmlformats.org/officeDocument/2006/relationships" xmlns:p="http://schemas.openxmlformats.org/presentationml/2006/main">
   <p:cSld>
@@ -5985,10 +6416,10 @@
       </p:grpSpPr>
       <p:sp>
         <p:nvSpPr>
-          <p:cNvPr id="4" name="Título 3">
+          <p:cNvPr id="2" name="Título 1">
             <a:extLst>
               <a:ext uri="{FF2B5EF4-FFF2-40B4-BE49-F238E27FC236}">
-                <a16:creationId xmlns:a16="http://schemas.microsoft.com/office/drawing/2014/main" id="{A2BAB271-7D12-4049-A3D3-0EB4A736D713}"/>
+                <a16:creationId xmlns:a16="http://schemas.microsoft.com/office/drawing/2014/main" id="{106E09B6-7099-43A4-B8BA-DA4A71C66CE3}"/>
               </a:ext>
             </a:extLst>
           </p:cNvPr>
@@ -6006,71 +6437,63 @@
           <a:p>
             <a:r>
               <a:rPr lang="es-CO" dirty="0"/>
-              <a:t>Demo</a:t>
-            </a:r>
-          </a:p>
-        </p:txBody>
-      </p:sp>
-      <p:pic>
-        <p:nvPicPr>
-          <p:cNvPr id="8" name="Marcador de posición de imagen 7">
+              <a:t>Tipos por Valor y Referencia</a:t>
+            </a:r>
+          </a:p>
+        </p:txBody>
+      </p:sp>
+      <p:sp>
+        <p:nvSpPr>
+          <p:cNvPr id="3" name="Marcador de contenido 2">
             <a:extLst>
               <a:ext uri="{FF2B5EF4-FFF2-40B4-BE49-F238E27FC236}">
-                <a16:creationId xmlns:a16="http://schemas.microsoft.com/office/drawing/2014/main" id="{DD4C2EC9-6842-489E-BDEC-E3F5324C0E96}"/>
+                <a16:creationId xmlns:a16="http://schemas.microsoft.com/office/drawing/2014/main" id="{8A758010-F8E9-4C34-81EA-2B5F8CCC66AF}"/>
               </a:ext>
             </a:extLst>
           </p:cNvPr>
-          <p:cNvPicPr>
-            <a:picLocks noGrp="1" noChangeAspect="1"/>
-          </p:cNvPicPr>
-          <p:nvPr>
-            <p:ph type="pic" idx="1"/>
-          </p:nvPr>
-        </p:nvPicPr>
-        <p:blipFill>
-          <a:blip r:embed="rId2">
-            <a:extLst>
-              <a:ext uri="{28A0092B-C50C-407E-A947-70E740481C1C}">
-                <a14:useLocalDpi xmlns:a14="http://schemas.microsoft.com/office/drawing/2010/main" val="0"/>
-              </a:ext>
-            </a:extLst>
-          </a:blip>
-          <a:srcRect t="17207" b="17207"/>
-          <a:stretch>
-            <a:fillRect/>
-          </a:stretch>
-        </p:blipFill>
-        <p:spPr/>
-      </p:pic>
-      <p:sp>
-        <p:nvSpPr>
-          <p:cNvPr id="6" name="Marcador de texto 5">
-            <a:extLst>
-              <a:ext uri="{FF2B5EF4-FFF2-40B4-BE49-F238E27FC236}">
-                <a16:creationId xmlns:a16="http://schemas.microsoft.com/office/drawing/2014/main" id="{DB7F3EC9-0374-4D59-A9DB-0B53D3E3B449}"/>
-              </a:ext>
-            </a:extLst>
-          </p:cNvPr>
-          <p:cNvSpPr>
-            <a:spLocks noGrp="1"/>
-          </p:cNvSpPr>
-          <p:nvPr>
-            <p:ph type="body" sz="half" idx="2"/>
-          </p:nvPr>
-        </p:nvSpPr>
-        <p:spPr/>
-        <p:txBody>
-          <a:bodyPr/>
-          <a:lstStyle/>
-          <a:p>
-            <a:endParaRPr lang="es-CO"/>
+          <p:cNvSpPr>
+            <a:spLocks noGrp="1"/>
+          </p:cNvSpPr>
+          <p:nvPr>
+            <p:ph idx="1"/>
+          </p:nvPr>
+        </p:nvSpPr>
+        <p:spPr/>
+        <p:txBody>
+          <a:bodyPr/>
+          <a:lstStyle/>
+          <a:p>
+            <a:pPr>
+              <a:buFont typeface="Wingdings" panose="05000000000000000000" pitchFamily="2" charset="2"/>
+              <a:buChar char="q"/>
+            </a:pPr>
+            <a:r>
+              <a:rPr lang="es-CO" dirty="0"/>
+              <a:t>Los tipos por valor almacenan directamente el valor en dicha variable</a:t>
+            </a:r>
+          </a:p>
+          <a:p>
+            <a:pPr marL="0" indent="0">
+              <a:buNone/>
+            </a:pPr>
+            <a:endParaRPr lang="es-CO" dirty="0"/>
+          </a:p>
+          <a:p>
+            <a:pPr>
+              <a:buFont typeface="Wingdings" panose="05000000000000000000" pitchFamily="2" charset="2"/>
+              <a:buChar char="q"/>
+            </a:pPr>
+            <a:r>
+              <a:rPr lang="es-CO" dirty="0"/>
+              <a:t>Los tipos de datos por referencia, ”apuntan” a un espacio determinado de la memoria donde se almacena dicho valor</a:t>
+            </a:r>
           </a:p>
         </p:txBody>
       </p:sp>
     </p:spTree>
     <p:extLst>
       <p:ext uri="{BB962C8B-B14F-4D97-AF65-F5344CB8AC3E}">
-        <p14:creationId xmlns:p14="http://schemas.microsoft.com/office/powerpoint/2010/main" val="898075042"/>
+        <p14:creationId xmlns:p14="http://schemas.microsoft.com/office/powerpoint/2010/main" val="9121969"/>
       </p:ext>
     </p:extLst>
   </p:cSld>
@@ -6099,10 +6522,10 @@
       </p:grpSpPr>
       <p:sp>
         <p:nvSpPr>
-          <p:cNvPr id="5" name="Título 4">
+          <p:cNvPr id="4" name="Título 3">
             <a:extLst>
               <a:ext uri="{FF2B5EF4-FFF2-40B4-BE49-F238E27FC236}">
-                <a16:creationId xmlns:a16="http://schemas.microsoft.com/office/drawing/2014/main" id="{4B6554B6-D1BD-437F-808A-5E718F46145A}"/>
+                <a16:creationId xmlns:a16="http://schemas.microsoft.com/office/drawing/2014/main" id="{A2BAB271-7D12-4049-A3D3-0EB4A736D713}"/>
               </a:ext>
             </a:extLst>
           </p:cNvPr>
@@ -6120,48 +6543,71 @@
           <a:p>
             <a:r>
               <a:rPr lang="es-CO" dirty="0"/>
-              <a:t>Clase </a:t>
-            </a:r>
-            <a:r>
-              <a:rPr lang="es-CO" dirty="0" err="1"/>
-              <a:t>Console</a:t>
-            </a:r>
-            <a:endParaRPr lang="es-CO" dirty="0"/>
-          </a:p>
-        </p:txBody>
-      </p:sp>
-      <p:sp>
-        <p:nvSpPr>
-          <p:cNvPr id="6" name="Marcador de contenido 5">
+              <a:t>Demo</a:t>
+            </a:r>
+          </a:p>
+        </p:txBody>
+      </p:sp>
+      <p:pic>
+        <p:nvPicPr>
+          <p:cNvPr id="8" name="Marcador de posición de imagen 7">
             <a:extLst>
               <a:ext uri="{FF2B5EF4-FFF2-40B4-BE49-F238E27FC236}">
-                <a16:creationId xmlns:a16="http://schemas.microsoft.com/office/drawing/2014/main" id="{39A8CF66-EAFA-4A38-9846-F4FDBE1FED5E}"/>
+                <a16:creationId xmlns:a16="http://schemas.microsoft.com/office/drawing/2014/main" id="{DD4C2EC9-6842-489E-BDEC-E3F5324C0E96}"/>
               </a:ext>
             </a:extLst>
           </p:cNvPr>
-          <p:cNvSpPr>
-            <a:spLocks noGrp="1"/>
-          </p:cNvSpPr>
-          <p:nvPr>
-            <p:ph idx="1"/>
-          </p:nvPr>
-        </p:nvSpPr>
-        <p:spPr/>
-        <p:txBody>
-          <a:bodyPr/>
-          <a:lstStyle/>
-          <a:p>
-            <a:r>
-              <a:rPr lang="es-CO" dirty="0"/>
-              <a:t>Permite las funcionalidades de acceso y gestión de la consola</a:t>
-            </a:r>
+          <p:cNvPicPr>
+            <a:picLocks noGrp="1" noChangeAspect="1"/>
+          </p:cNvPicPr>
+          <p:nvPr>
+            <p:ph type="pic" idx="1"/>
+          </p:nvPr>
+        </p:nvPicPr>
+        <p:blipFill>
+          <a:blip r:embed="rId2">
+            <a:extLst>
+              <a:ext uri="{28A0092B-C50C-407E-A947-70E740481C1C}">
+                <a14:useLocalDpi xmlns:a14="http://schemas.microsoft.com/office/drawing/2010/main" val="0"/>
+              </a:ext>
+            </a:extLst>
+          </a:blip>
+          <a:srcRect t="17207" b="17207"/>
+          <a:stretch>
+            <a:fillRect/>
+          </a:stretch>
+        </p:blipFill>
+        <p:spPr/>
+      </p:pic>
+      <p:sp>
+        <p:nvSpPr>
+          <p:cNvPr id="6" name="Marcador de texto 5">
+            <a:extLst>
+              <a:ext uri="{FF2B5EF4-FFF2-40B4-BE49-F238E27FC236}">
+                <a16:creationId xmlns:a16="http://schemas.microsoft.com/office/drawing/2014/main" id="{DB7F3EC9-0374-4D59-A9DB-0B53D3E3B449}"/>
+              </a:ext>
+            </a:extLst>
+          </p:cNvPr>
+          <p:cNvSpPr>
+            <a:spLocks noGrp="1"/>
+          </p:cNvSpPr>
+          <p:nvPr>
+            <p:ph type="body" sz="half" idx="2"/>
+          </p:nvPr>
+        </p:nvSpPr>
+        <p:spPr/>
+        <p:txBody>
+          <a:bodyPr/>
+          <a:lstStyle/>
+          <a:p>
+            <a:endParaRPr lang="es-CO"/>
           </a:p>
         </p:txBody>
       </p:sp>
     </p:spTree>
     <p:extLst>
       <p:ext uri="{BB962C8B-B14F-4D97-AF65-F5344CB8AC3E}">
-        <p14:creationId xmlns:p14="http://schemas.microsoft.com/office/powerpoint/2010/main" val="191790201"/>
+        <p14:creationId xmlns:p14="http://schemas.microsoft.com/office/powerpoint/2010/main" val="898075042"/>
       </p:ext>
     </p:extLst>
   </p:cSld>
@@ -6190,10 +6636,10 @@
       </p:grpSpPr>
       <p:sp>
         <p:nvSpPr>
-          <p:cNvPr id="4" name="Título 3">
+          <p:cNvPr id="5" name="Título 4">
             <a:extLst>
               <a:ext uri="{FF2B5EF4-FFF2-40B4-BE49-F238E27FC236}">
-                <a16:creationId xmlns:a16="http://schemas.microsoft.com/office/drawing/2014/main" id="{A2BAB271-7D12-4049-A3D3-0EB4A736D713}"/>
+                <a16:creationId xmlns:a16="http://schemas.microsoft.com/office/drawing/2014/main" id="{4B6554B6-D1BD-437F-808A-5E718F46145A}"/>
               </a:ext>
             </a:extLst>
           </p:cNvPr>
@@ -6211,71 +6657,48 @@
           <a:p>
             <a:r>
               <a:rPr lang="es-CO" dirty="0"/>
-              <a:t>Demo</a:t>
-            </a:r>
-          </a:p>
-        </p:txBody>
-      </p:sp>
-      <p:pic>
-        <p:nvPicPr>
-          <p:cNvPr id="8" name="Marcador de posición de imagen 7">
+              <a:t>Clase </a:t>
+            </a:r>
+            <a:r>
+              <a:rPr lang="es-CO" dirty="0" err="1"/>
+              <a:t>Console</a:t>
+            </a:r>
+            <a:endParaRPr lang="es-CO" dirty="0"/>
+          </a:p>
+        </p:txBody>
+      </p:sp>
+      <p:sp>
+        <p:nvSpPr>
+          <p:cNvPr id="6" name="Marcador de contenido 5">
             <a:extLst>
               <a:ext uri="{FF2B5EF4-FFF2-40B4-BE49-F238E27FC236}">
-                <a16:creationId xmlns:a16="http://schemas.microsoft.com/office/drawing/2014/main" id="{DD4C2EC9-6842-489E-BDEC-E3F5324C0E96}"/>
+                <a16:creationId xmlns:a16="http://schemas.microsoft.com/office/drawing/2014/main" id="{39A8CF66-EAFA-4A38-9846-F4FDBE1FED5E}"/>
               </a:ext>
             </a:extLst>
           </p:cNvPr>
-          <p:cNvPicPr>
-            <a:picLocks noGrp="1" noChangeAspect="1"/>
-          </p:cNvPicPr>
-          <p:nvPr>
-            <p:ph type="pic" idx="1"/>
-          </p:nvPr>
-        </p:nvPicPr>
-        <p:blipFill>
-          <a:blip r:embed="rId2">
-            <a:extLst>
-              <a:ext uri="{28A0092B-C50C-407E-A947-70E740481C1C}">
-                <a14:useLocalDpi xmlns:a14="http://schemas.microsoft.com/office/drawing/2010/main" val="0"/>
-              </a:ext>
-            </a:extLst>
-          </a:blip>
-          <a:srcRect t="17207" b="17207"/>
-          <a:stretch>
-            <a:fillRect/>
-          </a:stretch>
-        </p:blipFill>
-        <p:spPr/>
-      </p:pic>
-      <p:sp>
-        <p:nvSpPr>
-          <p:cNvPr id="6" name="Marcador de texto 5">
-            <a:extLst>
-              <a:ext uri="{FF2B5EF4-FFF2-40B4-BE49-F238E27FC236}">
-                <a16:creationId xmlns:a16="http://schemas.microsoft.com/office/drawing/2014/main" id="{DB7F3EC9-0374-4D59-A9DB-0B53D3E3B449}"/>
-              </a:ext>
-            </a:extLst>
-          </p:cNvPr>
-          <p:cNvSpPr>
-            <a:spLocks noGrp="1"/>
-          </p:cNvSpPr>
-          <p:nvPr>
-            <p:ph type="body" sz="half" idx="2"/>
-          </p:nvPr>
-        </p:nvSpPr>
-        <p:spPr/>
-        <p:txBody>
-          <a:bodyPr/>
-          <a:lstStyle/>
-          <a:p>
-            <a:endParaRPr lang="es-CO"/>
+          <p:cNvSpPr>
+            <a:spLocks noGrp="1"/>
+          </p:cNvSpPr>
+          <p:nvPr>
+            <p:ph idx="1"/>
+          </p:nvPr>
+        </p:nvSpPr>
+        <p:spPr/>
+        <p:txBody>
+          <a:bodyPr/>
+          <a:lstStyle/>
+          <a:p>
+            <a:r>
+              <a:rPr lang="es-CO" dirty="0"/>
+              <a:t>Permite las funcionalidades de acceso y gestión de la consola</a:t>
+            </a:r>
           </a:p>
         </p:txBody>
       </p:sp>
     </p:spTree>
     <p:extLst>
       <p:ext uri="{BB962C8B-B14F-4D97-AF65-F5344CB8AC3E}">
-        <p14:creationId xmlns:p14="http://schemas.microsoft.com/office/powerpoint/2010/main" val="633259381"/>
+        <p14:creationId xmlns:p14="http://schemas.microsoft.com/office/powerpoint/2010/main" val="191790201"/>
       </p:ext>
     </p:extLst>
   </p:cSld>
@@ -6304,10 +6727,10 @@
       </p:grpSpPr>
       <p:sp>
         <p:nvSpPr>
-          <p:cNvPr id="2" name="Título 1">
+          <p:cNvPr id="4" name="Título 3">
             <a:extLst>
               <a:ext uri="{FF2B5EF4-FFF2-40B4-BE49-F238E27FC236}">
-                <a16:creationId xmlns:a16="http://schemas.microsoft.com/office/drawing/2014/main" id="{CEF54A67-F15D-4AB2-B6B5-9428E408438B}"/>
+                <a16:creationId xmlns:a16="http://schemas.microsoft.com/office/drawing/2014/main" id="{A2BAB271-7D12-4049-A3D3-0EB4A736D713}"/>
               </a:ext>
             </a:extLst>
           </p:cNvPr>
@@ -6324,75 +6747,72 @@
           <a:lstStyle/>
           <a:p>
             <a:r>
-              <a:rPr lang="es-CO" dirty="0" err="1"/>
-              <a:t>Boxing</a:t>
-            </a:r>
-            <a:r>
               <a:rPr lang="es-CO" dirty="0"/>
-              <a:t> - </a:t>
-            </a:r>
-            <a:r>
-              <a:rPr lang="es-CO" dirty="0" err="1"/>
-              <a:t>Unboxing</a:t>
-            </a:r>
-            <a:endParaRPr lang="es-CO" dirty="0"/>
-          </a:p>
-        </p:txBody>
-      </p:sp>
-      <p:sp>
-        <p:nvSpPr>
-          <p:cNvPr id="3" name="Marcador de contenido 2">
+              <a:t>Demo</a:t>
+            </a:r>
+          </a:p>
+        </p:txBody>
+      </p:sp>
+      <p:pic>
+        <p:nvPicPr>
+          <p:cNvPr id="8" name="Marcador de posición de imagen 7">
             <a:extLst>
               <a:ext uri="{FF2B5EF4-FFF2-40B4-BE49-F238E27FC236}">
-                <a16:creationId xmlns:a16="http://schemas.microsoft.com/office/drawing/2014/main" id="{BE1D70C6-71C2-417D-ABB6-F91C7AA09104}"/>
+                <a16:creationId xmlns:a16="http://schemas.microsoft.com/office/drawing/2014/main" id="{DD4C2EC9-6842-489E-BDEC-E3F5324C0E96}"/>
               </a:ext>
             </a:extLst>
           </p:cNvPr>
-          <p:cNvSpPr>
-            <a:spLocks noGrp="1"/>
-          </p:cNvSpPr>
-          <p:nvPr>
-            <p:ph idx="1"/>
-          </p:nvPr>
-        </p:nvSpPr>
-        <p:spPr/>
-        <p:txBody>
-          <a:bodyPr/>
-          <a:lstStyle/>
-          <a:p>
-            <a:pPr>
-              <a:buFont typeface="Wingdings" panose="05000000000000000000" pitchFamily="2" charset="2"/>
-              <a:buChar char="q"/>
-            </a:pPr>
-            <a:r>
-              <a:rPr lang="es-CO" dirty="0" err="1"/>
-              <a:t>Boxing</a:t>
-            </a:r>
-            <a:r>
-              <a:rPr lang="es-CO" dirty="0"/>
-              <a:t> - Convertir de tipos de datos por valor a tipos de datos por referencia</a:t>
-            </a:r>
-          </a:p>
-          <a:p>
-            <a:pPr>
-              <a:buFont typeface="Wingdings" panose="05000000000000000000" pitchFamily="2" charset="2"/>
-              <a:buChar char="q"/>
-            </a:pPr>
-            <a:r>
-              <a:rPr lang="es-CO" dirty="0" err="1"/>
-              <a:t>Unboxing</a:t>
-            </a:r>
-            <a:r>
-              <a:rPr lang="es-CO" dirty="0"/>
-              <a:t> – Convertir de tipos de datos por referencia a tipos de datos por valor</a:t>
-            </a:r>
+          <p:cNvPicPr>
+            <a:picLocks noGrp="1" noChangeAspect="1"/>
+          </p:cNvPicPr>
+          <p:nvPr>
+            <p:ph type="pic" idx="1"/>
+          </p:nvPr>
+        </p:nvPicPr>
+        <p:blipFill>
+          <a:blip r:embed="rId2">
+            <a:extLst>
+              <a:ext uri="{28A0092B-C50C-407E-A947-70E740481C1C}">
+                <a14:useLocalDpi xmlns:a14="http://schemas.microsoft.com/office/drawing/2010/main" val="0"/>
+              </a:ext>
+            </a:extLst>
+          </a:blip>
+          <a:srcRect t="17207" b="17207"/>
+          <a:stretch>
+            <a:fillRect/>
+          </a:stretch>
+        </p:blipFill>
+        <p:spPr/>
+      </p:pic>
+      <p:sp>
+        <p:nvSpPr>
+          <p:cNvPr id="6" name="Marcador de texto 5">
+            <a:extLst>
+              <a:ext uri="{FF2B5EF4-FFF2-40B4-BE49-F238E27FC236}">
+                <a16:creationId xmlns:a16="http://schemas.microsoft.com/office/drawing/2014/main" id="{DB7F3EC9-0374-4D59-A9DB-0B53D3E3B449}"/>
+              </a:ext>
+            </a:extLst>
+          </p:cNvPr>
+          <p:cNvSpPr>
+            <a:spLocks noGrp="1"/>
+          </p:cNvSpPr>
+          <p:nvPr>
+            <p:ph type="body" sz="half" idx="2"/>
+          </p:nvPr>
+        </p:nvSpPr>
+        <p:spPr/>
+        <p:txBody>
+          <a:bodyPr/>
+          <a:lstStyle/>
+          <a:p>
+            <a:endParaRPr lang="es-CO"/>
           </a:p>
         </p:txBody>
       </p:sp>
     </p:spTree>
     <p:extLst>
       <p:ext uri="{BB962C8B-B14F-4D97-AF65-F5344CB8AC3E}">
-        <p14:creationId xmlns:p14="http://schemas.microsoft.com/office/powerpoint/2010/main" val="2075627625"/>
+        <p14:creationId xmlns:p14="http://schemas.microsoft.com/office/powerpoint/2010/main" val="633259381"/>
       </p:ext>
     </p:extLst>
   </p:cSld>
